--- a/Report.pptx
+++ b/Report.pptx
@@ -13,26 +13,21 @@
     <p:sldId id="261" r:id="rId11"/>
     <p:sldId id="262" r:id="rId12"/>
     <p:sldId id="263" r:id="rId13"/>
-    <p:sldId id="264" r:id="rId14"/>
-    <p:sldId id="265" r:id="rId15"/>
-    <p:sldId id="266" r:id="rId16"/>
-    <p:sldId id="267" r:id="rId17"/>
-    <p:sldId id="268" r:id="rId18"/>
   </p:sldIdLst>
   <p:sldSz cx="18288000" cy="10287000"/>
   <p:notesSz cx="6858000" cy="9144000"/>
   <p:embeddedFontLst>
     <p:embeddedFont>
       <p:font typeface="Yeseva One" charset="1" panose="00000500000000000000"/>
-      <p:regular r:id="rId19"/>
+      <p:regular r:id="rId14"/>
     </p:embeddedFont>
     <p:embeddedFont>
       <p:font typeface="Libre Baskerville" charset="1" panose="02000000000000000000"/>
-      <p:regular r:id="rId20"/>
+      <p:regular r:id="rId15"/>
     </p:embeddedFont>
     <p:embeddedFont>
       <p:font typeface="Libre Baskerville Bold" charset="1" panose="02000000000000000000"/>
-      <p:regular r:id="rId21"/>
+      <p:regular r:id="rId16"/>
     </p:embeddedFont>
   </p:embeddedFontLst>
   <p:defaultTextStyle>
@@ -3346,1790 +3341,6 @@
 </p:sld>
 </file>
 
-<file path=ppt/slides/slide10.xml><?xml version="1.0" encoding="utf-8"?>
-<p:sld xmlns:p="http://schemas.openxmlformats.org/presentationml/2006/main" xmlns:a="http://schemas.openxmlformats.org/drawingml/2006/main" xmlns:r="http://schemas.openxmlformats.org/officeDocument/2006/relationships">
-  <p:cSld>
-    <p:bg>
-      <p:bgPr>
-        <a:solidFill>
-          <a:srgbClr val="DAD5D1"/>
-        </a:solidFill>
-      </p:bgPr>
-    </p:bg>
-    <p:spTree>
-      <p:nvGrpSpPr>
-        <p:cNvPr id="1" name=""/>
-        <p:cNvGrpSpPr/>
-        <p:nvPr/>
-      </p:nvGrpSpPr>
-      <p:grpSpPr>
-        <a:xfrm>
-          <a:off x="0" y="0"/>
-          <a:ext cx="0" cy="0"/>
-          <a:chOff x="0" y="0"/>
-          <a:chExt cx="0" cy="0"/>
-        </a:xfrm>
-      </p:grpSpPr>
-      <p:sp>
-        <p:nvSpPr>
-          <p:cNvPr name="Freeform 2" id="2"/>
-          <p:cNvSpPr/>
-          <p:nvPr/>
-        </p:nvSpPr>
-        <p:spPr>
-          <a:xfrm flipH="false" flipV="false" rot="0">
-            <a:off x="12610204" y="-571500"/>
-            <a:ext cx="6626483" cy="5715000"/>
-          </a:xfrm>
-          <a:custGeom>
-            <a:avLst/>
-            <a:gdLst/>
-            <a:ahLst/>
-            <a:cxnLst/>
-            <a:rect r="r" b="b" t="t" l="l"/>
-            <a:pathLst>
-              <a:path h="5715000" w="6626483">
-                <a:moveTo>
-                  <a:pt x="0" y="0"/>
-                </a:moveTo>
-                <a:lnTo>
-                  <a:pt x="6626483" y="0"/>
-                </a:lnTo>
-                <a:lnTo>
-                  <a:pt x="6626483" y="5715000"/>
-                </a:lnTo>
-                <a:lnTo>
-                  <a:pt x="0" y="5715000"/>
-                </a:lnTo>
-                <a:lnTo>
-                  <a:pt x="0" y="0"/>
-                </a:lnTo>
-                <a:close/>
-              </a:path>
-            </a:pathLst>
-          </a:custGeom>
-          <a:blipFill>
-            <a:blip r:embed="rId2">
-              <a:extLst>
-                <a:ext uri="{96DAC541-7B7A-43D3-8B79-37D633B846F1}">
-                  <asvg:svgBlip xmlns:asvg="http://schemas.microsoft.com/office/drawing/2016/SVG/main" r:embed="rId3"/>
-                </a:ext>
-              </a:extLst>
-            </a:blip>
-            <a:stretch>
-              <a:fillRect l="0" t="0" r="0" b="0"/>
-            </a:stretch>
-          </a:blipFill>
-        </p:spPr>
-      </p:sp>
-      <p:sp>
-        <p:nvSpPr>
-          <p:cNvPr name="Freeform 3" id="3"/>
-          <p:cNvSpPr/>
-          <p:nvPr/>
-        </p:nvSpPr>
-        <p:spPr>
-          <a:xfrm flipH="false" flipV="false" rot="-1266137">
-            <a:off x="-1277219" y="5897732"/>
-            <a:ext cx="5210769" cy="6721137"/>
-          </a:xfrm>
-          <a:custGeom>
-            <a:avLst/>
-            <a:gdLst/>
-            <a:ahLst/>
-            <a:cxnLst/>
-            <a:rect r="r" b="b" t="t" l="l"/>
-            <a:pathLst>
-              <a:path h="6721137" w="5210769">
-                <a:moveTo>
-                  <a:pt x="0" y="0"/>
-                </a:moveTo>
-                <a:lnTo>
-                  <a:pt x="5210769" y="0"/>
-                </a:lnTo>
-                <a:lnTo>
-                  <a:pt x="5210769" y="6721136"/>
-                </a:lnTo>
-                <a:lnTo>
-                  <a:pt x="0" y="6721136"/>
-                </a:lnTo>
-                <a:lnTo>
-                  <a:pt x="0" y="0"/>
-                </a:lnTo>
-                <a:close/>
-              </a:path>
-            </a:pathLst>
-          </a:custGeom>
-          <a:blipFill>
-            <a:blip r:embed="rId4">
-              <a:extLst>
-                <a:ext uri="{96DAC541-7B7A-43D3-8B79-37D633B846F1}">
-                  <asvg:svgBlip xmlns:asvg="http://schemas.microsoft.com/office/drawing/2016/SVG/main" r:embed="rId5"/>
-                </a:ext>
-              </a:extLst>
-            </a:blip>
-            <a:stretch>
-              <a:fillRect l="0" t="0" r="0" b="0"/>
-            </a:stretch>
-          </a:blipFill>
-        </p:spPr>
-      </p:sp>
-      <p:sp>
-        <p:nvSpPr>
-          <p:cNvPr name="Freeform 4" id="4"/>
-          <p:cNvSpPr/>
-          <p:nvPr/>
-        </p:nvSpPr>
-        <p:spPr>
-          <a:xfrm flipH="false" flipV="false" rot="-5569636">
-            <a:off x="779619" y="-2269556"/>
-            <a:ext cx="4096053" cy="7060062"/>
-          </a:xfrm>
-          <a:custGeom>
-            <a:avLst/>
-            <a:gdLst/>
-            <a:ahLst/>
-            <a:cxnLst/>
-            <a:rect r="r" b="b" t="t" l="l"/>
-            <a:pathLst>
-              <a:path h="7060062" w="4096053">
-                <a:moveTo>
-                  <a:pt x="0" y="0"/>
-                </a:moveTo>
-                <a:lnTo>
-                  <a:pt x="4096053" y="0"/>
-                </a:lnTo>
-                <a:lnTo>
-                  <a:pt x="4096053" y="7060062"/>
-                </a:lnTo>
-                <a:lnTo>
-                  <a:pt x="0" y="7060062"/>
-                </a:lnTo>
-                <a:lnTo>
-                  <a:pt x="0" y="0"/>
-                </a:lnTo>
-                <a:close/>
-              </a:path>
-            </a:pathLst>
-          </a:custGeom>
-          <a:blipFill>
-            <a:blip r:embed="rId6">
-              <a:extLst>
-                <a:ext uri="{96DAC541-7B7A-43D3-8B79-37D633B846F1}">
-                  <asvg:svgBlip xmlns:asvg="http://schemas.microsoft.com/office/drawing/2016/SVG/main" r:embed="rId7"/>
-                </a:ext>
-              </a:extLst>
-            </a:blip>
-            <a:stretch>
-              <a:fillRect l="0" t="0" r="0" b="0"/>
-            </a:stretch>
-          </a:blipFill>
-        </p:spPr>
-      </p:sp>
-      <p:sp>
-        <p:nvSpPr>
-          <p:cNvPr name="TextBox 5" id="5"/>
-          <p:cNvSpPr txBox="true"/>
-          <p:nvPr/>
-        </p:nvSpPr>
-        <p:spPr>
-          <a:xfrm rot="0">
-            <a:off x="3283182" y="1089025"/>
-            <a:ext cx="11721636" cy="400050"/>
-          </a:xfrm>
-          <a:prstGeom prst="rect">
-            <a:avLst/>
-          </a:prstGeom>
-        </p:spPr>
-        <p:txBody>
-          <a:bodyPr anchor="t" rtlCol="false" tIns="0" lIns="0" bIns="0" rIns="0">
-            <a:spAutoFit/>
-          </a:bodyPr>
-          <a:lstStyle/>
-          <a:p>
-            <a:pPr algn="ctr">
-              <a:lnSpc>
-                <a:spcPts val="3000"/>
-              </a:lnSpc>
-            </a:pPr>
-            <a:r>
-              <a:rPr lang="en-US" sz="3000">
-                <a:solidFill>
-                  <a:srgbClr val="000000"/>
-                </a:solidFill>
-                <a:latin typeface="Libre Baskerville"/>
-              </a:rPr>
-              <a:t>Borcelle University</a:t>
-            </a:r>
-          </a:p>
-        </p:txBody>
-      </p:sp>
-      <p:sp>
-        <p:nvSpPr>
-          <p:cNvPr name="TextBox 6" id="6"/>
-          <p:cNvSpPr txBox="true"/>
-          <p:nvPr/>
-        </p:nvSpPr>
-        <p:spPr>
-          <a:xfrm rot="0">
-            <a:off x="3283182" y="8858250"/>
-            <a:ext cx="11721636" cy="400050"/>
-          </a:xfrm>
-          <a:prstGeom prst="rect">
-            <a:avLst/>
-          </a:prstGeom>
-        </p:spPr>
-        <p:txBody>
-          <a:bodyPr anchor="t" rtlCol="false" tIns="0" lIns="0" bIns="0" rIns="0">
-            <a:spAutoFit/>
-          </a:bodyPr>
-          <a:lstStyle/>
-          <a:p>
-            <a:pPr algn="ctr">
-              <a:lnSpc>
-                <a:spcPts val="3000"/>
-              </a:lnSpc>
-            </a:pPr>
-            <a:r>
-              <a:rPr lang="en-US" sz="3000">
-                <a:solidFill>
-                  <a:srgbClr val="000000"/>
-                </a:solidFill>
-                <a:latin typeface="Libre Baskerville"/>
-              </a:rPr>
-              <a:t>Presented by Juliana Silva</a:t>
-            </a:r>
-          </a:p>
-        </p:txBody>
-      </p:sp>
-      <p:sp>
-        <p:nvSpPr>
-          <p:cNvPr name="Freeform 7" id="7"/>
-          <p:cNvSpPr/>
-          <p:nvPr/>
-        </p:nvSpPr>
-        <p:spPr>
-          <a:xfrm flipH="false" flipV="false" rot="-3755510">
-            <a:off x="14637629" y="5499669"/>
-            <a:ext cx="4096053" cy="7060062"/>
-          </a:xfrm>
-          <a:custGeom>
-            <a:avLst/>
-            <a:gdLst/>
-            <a:ahLst/>
-            <a:cxnLst/>
-            <a:rect r="r" b="b" t="t" l="l"/>
-            <a:pathLst>
-              <a:path h="7060062" w="4096053">
-                <a:moveTo>
-                  <a:pt x="0" y="0"/>
-                </a:moveTo>
-                <a:lnTo>
-                  <a:pt x="4096053" y="0"/>
-                </a:lnTo>
-                <a:lnTo>
-                  <a:pt x="4096053" y="7060062"/>
-                </a:lnTo>
-                <a:lnTo>
-                  <a:pt x="0" y="7060062"/>
-                </a:lnTo>
-                <a:lnTo>
-                  <a:pt x="0" y="0"/>
-                </a:lnTo>
-                <a:close/>
-              </a:path>
-            </a:pathLst>
-          </a:custGeom>
-          <a:blipFill>
-            <a:blip r:embed="rId6">
-              <a:extLst>
-                <a:ext uri="{96DAC541-7B7A-43D3-8B79-37D633B846F1}">
-                  <asvg:svgBlip xmlns:asvg="http://schemas.microsoft.com/office/drawing/2016/SVG/main" r:embed="rId7"/>
-                </a:ext>
-              </a:extLst>
-            </a:blip>
-            <a:stretch>
-              <a:fillRect l="0" t="0" r="0" b="0"/>
-            </a:stretch>
-          </a:blipFill>
-        </p:spPr>
-      </p:sp>
-      <p:sp>
-        <p:nvSpPr>
-          <p:cNvPr name="TextBox 8" id="8"/>
-          <p:cNvSpPr txBox="true"/>
-          <p:nvPr/>
-        </p:nvSpPr>
-        <p:spPr>
-          <a:xfrm rot="0">
-            <a:off x="3283182" y="2275116"/>
-            <a:ext cx="11696350" cy="1214357"/>
-          </a:xfrm>
-          <a:prstGeom prst="rect">
-            <a:avLst/>
-          </a:prstGeom>
-        </p:spPr>
-        <p:txBody>
-          <a:bodyPr anchor="t" rtlCol="false" tIns="0" lIns="0" bIns="0" rIns="0">
-            <a:spAutoFit/>
-          </a:bodyPr>
-          <a:lstStyle/>
-          <a:p>
-            <a:pPr algn="ctr">
-              <a:lnSpc>
-                <a:spcPts val="9060"/>
-              </a:lnSpc>
-            </a:pPr>
-            <a:r>
-              <a:rPr lang="en-US" sz="9060">
-                <a:solidFill>
-                  <a:srgbClr val="000000"/>
-                </a:solidFill>
-                <a:latin typeface="Yeseva One"/>
-              </a:rPr>
-              <a:t>Result</a:t>
-            </a:r>
-          </a:p>
-        </p:txBody>
-      </p:sp>
-      <p:sp>
-        <p:nvSpPr>
-          <p:cNvPr name="TextBox 9" id="9"/>
-          <p:cNvSpPr txBox="true"/>
-          <p:nvPr/>
-        </p:nvSpPr>
-        <p:spPr>
-          <a:xfrm rot="0">
-            <a:off x="2157703" y="3963759"/>
-            <a:ext cx="3640585" cy="4210050"/>
-          </a:xfrm>
-          <a:prstGeom prst="rect">
-            <a:avLst/>
-          </a:prstGeom>
-        </p:spPr>
-        <p:txBody>
-          <a:bodyPr anchor="t" rtlCol="false" tIns="0" lIns="0" bIns="0" rIns="0">
-            <a:spAutoFit/>
-          </a:bodyPr>
-          <a:lstStyle/>
-          <a:p>
-            <a:pPr algn="l">
-              <a:lnSpc>
-                <a:spcPts val="3000"/>
-              </a:lnSpc>
-            </a:pPr>
-            <a:r>
-              <a:rPr lang="en-US" sz="3000">
-                <a:solidFill>
-                  <a:srgbClr val="000000"/>
-                </a:solidFill>
-                <a:latin typeface="Libre Baskerville"/>
-              </a:rPr>
-              <a:t>Lorem ipsum dolor sit amet, consectetur adipiscing elit. Vivamus sed vestibulum nunc, eget aliquam felis. Sed nunc purus, accumsan sit amet dictum in, ornare in dui.</a:t>
-            </a:r>
-          </a:p>
-        </p:txBody>
-      </p:sp>
-      <p:pic>
-        <p:nvPicPr>
-          <p:cNvPr name="Picture 10" id="10"/>
-          <p:cNvPicPr>
-            <a:picLocks noChangeAspect="true"/>
-          </p:cNvPicPr>
-          <p:nvPr/>
-        </p:nvPicPr>
-        <p:blipFill>
-          <a:blip r:embed="rId8"/>
-          <a:stretch>
-            <a:fillRect/>
-          </a:stretch>
-        </p:blipFill>
-        <p:spPr>
-          <a:xfrm rot="0">
-            <a:off x="5887521" y="3452917"/>
-            <a:ext cx="5444308" cy="5174585"/>
-          </a:xfrm>
-          <a:prstGeom prst="rect">
-            <a:avLst/>
-          </a:prstGeom>
-        </p:spPr>
-      </p:pic>
-      <p:pic>
-        <p:nvPicPr>
-          <p:cNvPr name="Picture 11" id="11"/>
-          <p:cNvPicPr>
-            <a:picLocks noChangeAspect="true"/>
-          </p:cNvPicPr>
-          <p:nvPr/>
-        </p:nvPicPr>
-        <p:blipFill>
-          <a:blip r:embed="rId9"/>
-          <a:stretch>
-            <a:fillRect/>
-          </a:stretch>
-        </p:blipFill>
-        <p:spPr>
-          <a:xfrm rot="0">
-            <a:off x="10950138" y="3435685"/>
-            <a:ext cx="5651082" cy="5209047"/>
-          </a:xfrm>
-          <a:prstGeom prst="rect">
-            <a:avLst/>
-          </a:prstGeom>
-        </p:spPr>
-      </p:pic>
-    </p:spTree>
-  </p:cSld>
-  <p:clrMapOvr>
-    <a:masterClrMapping/>
-  </p:clrMapOvr>
-</p:sld>
-</file>
-
-<file path=ppt/slides/slide11.xml><?xml version="1.0" encoding="utf-8"?>
-<p:sld xmlns:p="http://schemas.openxmlformats.org/presentationml/2006/main" xmlns:a="http://schemas.openxmlformats.org/drawingml/2006/main" xmlns:r="http://schemas.openxmlformats.org/officeDocument/2006/relationships">
-  <p:cSld>
-    <p:bg>
-      <p:bgPr>
-        <a:solidFill>
-          <a:srgbClr val="DAD5D1"/>
-        </a:solidFill>
-      </p:bgPr>
-    </p:bg>
-    <p:spTree>
-      <p:nvGrpSpPr>
-        <p:cNvPr id="1" name=""/>
-        <p:cNvGrpSpPr/>
-        <p:nvPr/>
-      </p:nvGrpSpPr>
-      <p:grpSpPr>
-        <a:xfrm>
-          <a:off x="0" y="0"/>
-          <a:ext cx="0" cy="0"/>
-          <a:chOff x="0" y="0"/>
-          <a:chExt cx="0" cy="0"/>
-        </a:xfrm>
-      </p:grpSpPr>
-      <p:sp>
-        <p:nvSpPr>
-          <p:cNvPr name="TextBox 2" id="2"/>
-          <p:cNvSpPr txBox="true"/>
-          <p:nvPr/>
-        </p:nvSpPr>
-        <p:spPr>
-          <a:xfrm rot="0">
-            <a:off x="4895648" y="3375451"/>
-            <a:ext cx="8496705" cy="1214357"/>
-          </a:xfrm>
-          <a:prstGeom prst="rect">
-            <a:avLst/>
-          </a:prstGeom>
-        </p:spPr>
-        <p:txBody>
-          <a:bodyPr anchor="t" rtlCol="false" tIns="0" lIns="0" bIns="0" rIns="0">
-            <a:spAutoFit/>
-          </a:bodyPr>
-          <a:lstStyle/>
-          <a:p>
-            <a:pPr algn="ctr">
-              <a:lnSpc>
-                <a:spcPts val="9060"/>
-              </a:lnSpc>
-            </a:pPr>
-            <a:r>
-              <a:rPr lang="en-US" sz="9060">
-                <a:solidFill>
-                  <a:srgbClr val="000000"/>
-                </a:solidFill>
-                <a:latin typeface="Yeseva One"/>
-              </a:rPr>
-              <a:t>Conclusion</a:t>
-            </a:r>
-          </a:p>
-        </p:txBody>
-      </p:sp>
-      <p:sp>
-        <p:nvSpPr>
-          <p:cNvPr name="Freeform 3" id="3"/>
-          <p:cNvSpPr/>
-          <p:nvPr/>
-        </p:nvSpPr>
-        <p:spPr>
-          <a:xfrm flipH="false" flipV="false" rot="0">
-            <a:off x="12610204" y="-571500"/>
-            <a:ext cx="6626483" cy="5715000"/>
-          </a:xfrm>
-          <a:custGeom>
-            <a:avLst/>
-            <a:gdLst/>
-            <a:ahLst/>
-            <a:cxnLst/>
-            <a:rect r="r" b="b" t="t" l="l"/>
-            <a:pathLst>
-              <a:path h="5715000" w="6626483">
-                <a:moveTo>
-                  <a:pt x="0" y="0"/>
-                </a:moveTo>
-                <a:lnTo>
-                  <a:pt x="6626483" y="0"/>
-                </a:lnTo>
-                <a:lnTo>
-                  <a:pt x="6626483" y="5715000"/>
-                </a:lnTo>
-                <a:lnTo>
-                  <a:pt x="0" y="5715000"/>
-                </a:lnTo>
-                <a:lnTo>
-                  <a:pt x="0" y="0"/>
-                </a:lnTo>
-                <a:close/>
-              </a:path>
-            </a:pathLst>
-          </a:custGeom>
-          <a:blipFill>
-            <a:blip r:embed="rId2">
-              <a:extLst>
-                <a:ext uri="{96DAC541-7B7A-43D3-8B79-37D633B846F1}">
-                  <asvg:svgBlip xmlns:asvg="http://schemas.microsoft.com/office/drawing/2016/SVG/main" r:embed="rId3"/>
-                </a:ext>
-              </a:extLst>
-            </a:blip>
-            <a:stretch>
-              <a:fillRect l="0" t="0" r="0" b="0"/>
-            </a:stretch>
-          </a:blipFill>
-        </p:spPr>
-      </p:sp>
-      <p:sp>
-        <p:nvSpPr>
-          <p:cNvPr name="Freeform 4" id="4"/>
-          <p:cNvSpPr/>
-          <p:nvPr/>
-        </p:nvSpPr>
-        <p:spPr>
-          <a:xfrm flipH="false" flipV="false" rot="-1266137">
-            <a:off x="-1277219" y="5897732"/>
-            <a:ext cx="5210769" cy="6721137"/>
-          </a:xfrm>
-          <a:custGeom>
-            <a:avLst/>
-            <a:gdLst/>
-            <a:ahLst/>
-            <a:cxnLst/>
-            <a:rect r="r" b="b" t="t" l="l"/>
-            <a:pathLst>
-              <a:path h="6721137" w="5210769">
-                <a:moveTo>
-                  <a:pt x="0" y="0"/>
-                </a:moveTo>
-                <a:lnTo>
-                  <a:pt x="5210769" y="0"/>
-                </a:lnTo>
-                <a:lnTo>
-                  <a:pt x="5210769" y="6721136"/>
-                </a:lnTo>
-                <a:lnTo>
-                  <a:pt x="0" y="6721136"/>
-                </a:lnTo>
-                <a:lnTo>
-                  <a:pt x="0" y="0"/>
-                </a:lnTo>
-                <a:close/>
-              </a:path>
-            </a:pathLst>
-          </a:custGeom>
-          <a:blipFill>
-            <a:blip r:embed="rId4">
-              <a:extLst>
-                <a:ext uri="{96DAC541-7B7A-43D3-8B79-37D633B846F1}">
-                  <asvg:svgBlip xmlns:asvg="http://schemas.microsoft.com/office/drawing/2016/SVG/main" r:embed="rId5"/>
-                </a:ext>
-              </a:extLst>
-            </a:blip>
-            <a:stretch>
-              <a:fillRect l="0" t="0" r="0" b="0"/>
-            </a:stretch>
-          </a:blipFill>
-        </p:spPr>
-      </p:sp>
-      <p:sp>
-        <p:nvSpPr>
-          <p:cNvPr name="Freeform 5" id="5"/>
-          <p:cNvSpPr/>
-          <p:nvPr/>
-        </p:nvSpPr>
-        <p:spPr>
-          <a:xfrm flipH="false" flipV="false" rot="-5569636">
-            <a:off x="779619" y="-2269556"/>
-            <a:ext cx="4096053" cy="7060062"/>
-          </a:xfrm>
-          <a:custGeom>
-            <a:avLst/>
-            <a:gdLst/>
-            <a:ahLst/>
-            <a:cxnLst/>
-            <a:rect r="r" b="b" t="t" l="l"/>
-            <a:pathLst>
-              <a:path h="7060062" w="4096053">
-                <a:moveTo>
-                  <a:pt x="0" y="0"/>
-                </a:moveTo>
-                <a:lnTo>
-                  <a:pt x="4096053" y="0"/>
-                </a:lnTo>
-                <a:lnTo>
-                  <a:pt x="4096053" y="7060062"/>
-                </a:lnTo>
-                <a:lnTo>
-                  <a:pt x="0" y="7060062"/>
-                </a:lnTo>
-                <a:lnTo>
-                  <a:pt x="0" y="0"/>
-                </a:lnTo>
-                <a:close/>
-              </a:path>
-            </a:pathLst>
-          </a:custGeom>
-          <a:blipFill>
-            <a:blip r:embed="rId6">
-              <a:extLst>
-                <a:ext uri="{96DAC541-7B7A-43D3-8B79-37D633B846F1}">
-                  <asvg:svgBlip xmlns:asvg="http://schemas.microsoft.com/office/drawing/2016/SVG/main" r:embed="rId7"/>
-                </a:ext>
-              </a:extLst>
-            </a:blip>
-            <a:stretch>
-              <a:fillRect l="0" t="0" r="0" b="0"/>
-            </a:stretch>
-          </a:blipFill>
-        </p:spPr>
-      </p:sp>
-      <p:sp>
-        <p:nvSpPr>
-          <p:cNvPr name="TextBox 6" id="6"/>
-          <p:cNvSpPr txBox="true"/>
-          <p:nvPr/>
-        </p:nvSpPr>
-        <p:spPr>
-          <a:xfrm rot="0">
-            <a:off x="3283182" y="1089025"/>
-            <a:ext cx="11721636" cy="400050"/>
-          </a:xfrm>
-          <a:prstGeom prst="rect">
-            <a:avLst/>
-          </a:prstGeom>
-        </p:spPr>
-        <p:txBody>
-          <a:bodyPr anchor="t" rtlCol="false" tIns="0" lIns="0" bIns="0" rIns="0">
-            <a:spAutoFit/>
-          </a:bodyPr>
-          <a:lstStyle/>
-          <a:p>
-            <a:pPr algn="ctr">
-              <a:lnSpc>
-                <a:spcPts val="3000"/>
-              </a:lnSpc>
-            </a:pPr>
-            <a:r>
-              <a:rPr lang="en-US" sz="3000">
-                <a:solidFill>
-                  <a:srgbClr val="000000"/>
-                </a:solidFill>
-                <a:latin typeface="Libre Baskerville"/>
-              </a:rPr>
-              <a:t>Borcelle University</a:t>
-            </a:r>
-          </a:p>
-        </p:txBody>
-      </p:sp>
-      <p:sp>
-        <p:nvSpPr>
-          <p:cNvPr name="TextBox 7" id="7"/>
-          <p:cNvSpPr txBox="true"/>
-          <p:nvPr/>
-        </p:nvSpPr>
-        <p:spPr>
-          <a:xfrm rot="0">
-            <a:off x="3283182" y="8858250"/>
-            <a:ext cx="11721636" cy="400050"/>
-          </a:xfrm>
-          <a:prstGeom prst="rect">
-            <a:avLst/>
-          </a:prstGeom>
-        </p:spPr>
-        <p:txBody>
-          <a:bodyPr anchor="t" rtlCol="false" tIns="0" lIns="0" bIns="0" rIns="0">
-            <a:spAutoFit/>
-          </a:bodyPr>
-          <a:lstStyle/>
-          <a:p>
-            <a:pPr algn="ctr">
-              <a:lnSpc>
-                <a:spcPts val="3000"/>
-              </a:lnSpc>
-            </a:pPr>
-            <a:r>
-              <a:rPr lang="en-US" sz="3000">
-                <a:solidFill>
-                  <a:srgbClr val="000000"/>
-                </a:solidFill>
-                <a:latin typeface="Libre Baskerville"/>
-              </a:rPr>
-              <a:t>Presented by Juliana Silva</a:t>
-            </a:r>
-          </a:p>
-        </p:txBody>
-      </p:sp>
-      <p:sp>
-        <p:nvSpPr>
-          <p:cNvPr name="Freeform 8" id="8"/>
-          <p:cNvSpPr/>
-          <p:nvPr/>
-        </p:nvSpPr>
-        <p:spPr>
-          <a:xfrm flipH="false" flipV="false" rot="-3755510">
-            <a:off x="14637629" y="5499669"/>
-            <a:ext cx="4096053" cy="7060062"/>
-          </a:xfrm>
-          <a:custGeom>
-            <a:avLst/>
-            <a:gdLst/>
-            <a:ahLst/>
-            <a:cxnLst/>
-            <a:rect r="r" b="b" t="t" l="l"/>
-            <a:pathLst>
-              <a:path h="7060062" w="4096053">
-                <a:moveTo>
-                  <a:pt x="0" y="0"/>
-                </a:moveTo>
-                <a:lnTo>
-                  <a:pt x="4096053" y="0"/>
-                </a:lnTo>
-                <a:lnTo>
-                  <a:pt x="4096053" y="7060062"/>
-                </a:lnTo>
-                <a:lnTo>
-                  <a:pt x="0" y="7060062"/>
-                </a:lnTo>
-                <a:lnTo>
-                  <a:pt x="0" y="0"/>
-                </a:lnTo>
-                <a:close/>
-              </a:path>
-            </a:pathLst>
-          </a:custGeom>
-          <a:blipFill>
-            <a:blip r:embed="rId6">
-              <a:extLst>
-                <a:ext uri="{96DAC541-7B7A-43D3-8B79-37D633B846F1}">
-                  <asvg:svgBlip xmlns:asvg="http://schemas.microsoft.com/office/drawing/2016/SVG/main" r:embed="rId7"/>
-                </a:ext>
-              </a:extLst>
-            </a:blip>
-            <a:stretch>
-              <a:fillRect l="0" t="0" r="0" b="0"/>
-            </a:stretch>
-          </a:blipFill>
-        </p:spPr>
-      </p:sp>
-      <p:sp>
-        <p:nvSpPr>
-          <p:cNvPr name="TextBox 9" id="9"/>
-          <p:cNvSpPr txBox="true"/>
-          <p:nvPr/>
-        </p:nvSpPr>
-        <p:spPr>
-          <a:xfrm rot="0">
-            <a:off x="3283182" y="4851558"/>
-            <a:ext cx="11721636" cy="2305050"/>
-          </a:xfrm>
-          <a:prstGeom prst="rect">
-            <a:avLst/>
-          </a:prstGeom>
-        </p:spPr>
-        <p:txBody>
-          <a:bodyPr anchor="t" rtlCol="false" tIns="0" lIns="0" bIns="0" rIns="0">
-            <a:spAutoFit/>
-          </a:bodyPr>
-          <a:lstStyle/>
-          <a:p>
-            <a:pPr algn="ctr">
-              <a:lnSpc>
-                <a:spcPts val="3000"/>
-              </a:lnSpc>
-            </a:pPr>
-            <a:r>
-              <a:rPr lang="en-US" sz="3000">
-                <a:solidFill>
-                  <a:srgbClr val="000000"/>
-                </a:solidFill>
-                <a:latin typeface="Libre Baskerville"/>
-              </a:rPr>
-              <a:t>Lorem ipsum dolor sit amet, consectetur adipiscing elit. Vivamus sed vestibulum nunc, eget aliquam felis. Sed nunc purus, accumsan sit amet dictum in, ornare in dui. Ut imperdiet ante eros, sed porta ex eleifend ac. Donec non porttitor leo. Nulla luctus ex lacus, ut scelerisque odio semper nec.</a:t>
-            </a:r>
-          </a:p>
-        </p:txBody>
-      </p:sp>
-    </p:spTree>
-  </p:cSld>
-  <p:clrMapOvr>
-    <a:masterClrMapping/>
-  </p:clrMapOvr>
-</p:sld>
-</file>
-
-<file path=ppt/slides/slide12.xml><?xml version="1.0" encoding="utf-8"?>
-<p:sld xmlns:p="http://schemas.openxmlformats.org/presentationml/2006/main" xmlns:a="http://schemas.openxmlformats.org/drawingml/2006/main" xmlns:r="http://schemas.openxmlformats.org/officeDocument/2006/relationships">
-  <p:cSld>
-    <p:bg>
-      <p:bgPr>
-        <a:solidFill>
-          <a:srgbClr val="DAD5D1"/>
-        </a:solidFill>
-      </p:bgPr>
-    </p:bg>
-    <p:spTree>
-      <p:nvGrpSpPr>
-        <p:cNvPr id="1" name=""/>
-        <p:cNvGrpSpPr/>
-        <p:nvPr/>
-      </p:nvGrpSpPr>
-      <p:grpSpPr>
-        <a:xfrm>
-          <a:off x="0" y="0"/>
-          <a:ext cx="0" cy="0"/>
-          <a:chOff x="0" y="0"/>
-          <a:chExt cx="0" cy="0"/>
-        </a:xfrm>
-      </p:grpSpPr>
-      <p:sp>
-        <p:nvSpPr>
-          <p:cNvPr name="Freeform 2" id="2"/>
-          <p:cNvSpPr/>
-          <p:nvPr/>
-        </p:nvSpPr>
-        <p:spPr>
-          <a:xfrm flipH="false" flipV="false" rot="0">
-            <a:off x="12610204" y="-571500"/>
-            <a:ext cx="6626483" cy="5715000"/>
-          </a:xfrm>
-          <a:custGeom>
-            <a:avLst/>
-            <a:gdLst/>
-            <a:ahLst/>
-            <a:cxnLst/>
-            <a:rect r="r" b="b" t="t" l="l"/>
-            <a:pathLst>
-              <a:path h="5715000" w="6626483">
-                <a:moveTo>
-                  <a:pt x="0" y="0"/>
-                </a:moveTo>
-                <a:lnTo>
-                  <a:pt x="6626483" y="0"/>
-                </a:lnTo>
-                <a:lnTo>
-                  <a:pt x="6626483" y="5715000"/>
-                </a:lnTo>
-                <a:lnTo>
-                  <a:pt x="0" y="5715000"/>
-                </a:lnTo>
-                <a:lnTo>
-                  <a:pt x="0" y="0"/>
-                </a:lnTo>
-                <a:close/>
-              </a:path>
-            </a:pathLst>
-          </a:custGeom>
-          <a:blipFill>
-            <a:blip r:embed="rId2">
-              <a:extLst>
-                <a:ext uri="{96DAC541-7B7A-43D3-8B79-37D633B846F1}">
-                  <asvg:svgBlip xmlns:asvg="http://schemas.microsoft.com/office/drawing/2016/SVG/main" r:embed="rId3"/>
-                </a:ext>
-              </a:extLst>
-            </a:blip>
-            <a:stretch>
-              <a:fillRect l="0" t="0" r="0" b="0"/>
-            </a:stretch>
-          </a:blipFill>
-        </p:spPr>
-      </p:sp>
-      <p:sp>
-        <p:nvSpPr>
-          <p:cNvPr name="Freeform 3" id="3"/>
-          <p:cNvSpPr/>
-          <p:nvPr/>
-        </p:nvSpPr>
-        <p:spPr>
-          <a:xfrm flipH="false" flipV="false" rot="-1266137">
-            <a:off x="-1277219" y="5897732"/>
-            <a:ext cx="5210769" cy="6721137"/>
-          </a:xfrm>
-          <a:custGeom>
-            <a:avLst/>
-            <a:gdLst/>
-            <a:ahLst/>
-            <a:cxnLst/>
-            <a:rect r="r" b="b" t="t" l="l"/>
-            <a:pathLst>
-              <a:path h="6721137" w="5210769">
-                <a:moveTo>
-                  <a:pt x="0" y="0"/>
-                </a:moveTo>
-                <a:lnTo>
-                  <a:pt x="5210769" y="0"/>
-                </a:lnTo>
-                <a:lnTo>
-                  <a:pt x="5210769" y="6721136"/>
-                </a:lnTo>
-                <a:lnTo>
-                  <a:pt x="0" y="6721136"/>
-                </a:lnTo>
-                <a:lnTo>
-                  <a:pt x="0" y="0"/>
-                </a:lnTo>
-                <a:close/>
-              </a:path>
-            </a:pathLst>
-          </a:custGeom>
-          <a:blipFill>
-            <a:blip r:embed="rId4">
-              <a:extLst>
-                <a:ext uri="{96DAC541-7B7A-43D3-8B79-37D633B846F1}">
-                  <asvg:svgBlip xmlns:asvg="http://schemas.microsoft.com/office/drawing/2016/SVG/main" r:embed="rId5"/>
-                </a:ext>
-              </a:extLst>
-            </a:blip>
-            <a:stretch>
-              <a:fillRect l="0" t="0" r="0" b="0"/>
-            </a:stretch>
-          </a:blipFill>
-        </p:spPr>
-      </p:sp>
-      <p:sp>
-        <p:nvSpPr>
-          <p:cNvPr name="Freeform 4" id="4"/>
-          <p:cNvSpPr/>
-          <p:nvPr/>
-        </p:nvSpPr>
-        <p:spPr>
-          <a:xfrm flipH="false" flipV="false" rot="-5569636">
-            <a:off x="779619" y="-2269556"/>
-            <a:ext cx="4096053" cy="7060062"/>
-          </a:xfrm>
-          <a:custGeom>
-            <a:avLst/>
-            <a:gdLst/>
-            <a:ahLst/>
-            <a:cxnLst/>
-            <a:rect r="r" b="b" t="t" l="l"/>
-            <a:pathLst>
-              <a:path h="7060062" w="4096053">
-                <a:moveTo>
-                  <a:pt x="0" y="0"/>
-                </a:moveTo>
-                <a:lnTo>
-                  <a:pt x="4096053" y="0"/>
-                </a:lnTo>
-                <a:lnTo>
-                  <a:pt x="4096053" y="7060062"/>
-                </a:lnTo>
-                <a:lnTo>
-                  <a:pt x="0" y="7060062"/>
-                </a:lnTo>
-                <a:lnTo>
-                  <a:pt x="0" y="0"/>
-                </a:lnTo>
-                <a:close/>
-              </a:path>
-            </a:pathLst>
-          </a:custGeom>
-          <a:blipFill>
-            <a:blip r:embed="rId6">
-              <a:extLst>
-                <a:ext uri="{96DAC541-7B7A-43D3-8B79-37D633B846F1}">
-                  <asvg:svgBlip xmlns:asvg="http://schemas.microsoft.com/office/drawing/2016/SVG/main" r:embed="rId7"/>
-                </a:ext>
-              </a:extLst>
-            </a:blip>
-            <a:stretch>
-              <a:fillRect l="0" t="0" r="0" b="0"/>
-            </a:stretch>
-          </a:blipFill>
-        </p:spPr>
-      </p:sp>
-      <p:sp>
-        <p:nvSpPr>
-          <p:cNvPr name="TextBox 5" id="5"/>
-          <p:cNvSpPr txBox="true"/>
-          <p:nvPr/>
-        </p:nvSpPr>
-        <p:spPr>
-          <a:xfrm rot="0">
-            <a:off x="3283182" y="1089025"/>
-            <a:ext cx="11721636" cy="400050"/>
-          </a:xfrm>
-          <a:prstGeom prst="rect">
-            <a:avLst/>
-          </a:prstGeom>
-        </p:spPr>
-        <p:txBody>
-          <a:bodyPr anchor="t" rtlCol="false" tIns="0" lIns="0" bIns="0" rIns="0">
-            <a:spAutoFit/>
-          </a:bodyPr>
-          <a:lstStyle/>
-          <a:p>
-            <a:pPr algn="ctr">
-              <a:lnSpc>
-                <a:spcPts val="3000"/>
-              </a:lnSpc>
-            </a:pPr>
-            <a:r>
-              <a:rPr lang="en-US" sz="3000">
-                <a:solidFill>
-                  <a:srgbClr val="000000"/>
-                </a:solidFill>
-                <a:latin typeface="Libre Baskerville"/>
-              </a:rPr>
-              <a:t>Borcelle University</a:t>
-            </a:r>
-          </a:p>
-        </p:txBody>
-      </p:sp>
-      <p:sp>
-        <p:nvSpPr>
-          <p:cNvPr name="TextBox 6" id="6"/>
-          <p:cNvSpPr txBox="true"/>
-          <p:nvPr/>
-        </p:nvSpPr>
-        <p:spPr>
-          <a:xfrm rot="0">
-            <a:off x="3283182" y="8858250"/>
-            <a:ext cx="11721636" cy="400050"/>
-          </a:xfrm>
-          <a:prstGeom prst="rect">
-            <a:avLst/>
-          </a:prstGeom>
-        </p:spPr>
-        <p:txBody>
-          <a:bodyPr anchor="t" rtlCol="false" tIns="0" lIns="0" bIns="0" rIns="0">
-            <a:spAutoFit/>
-          </a:bodyPr>
-          <a:lstStyle/>
-          <a:p>
-            <a:pPr algn="ctr">
-              <a:lnSpc>
-                <a:spcPts val="3000"/>
-              </a:lnSpc>
-            </a:pPr>
-            <a:r>
-              <a:rPr lang="en-US" sz="3000">
-                <a:solidFill>
-                  <a:srgbClr val="000000"/>
-                </a:solidFill>
-                <a:latin typeface="Libre Baskerville"/>
-              </a:rPr>
-              <a:t>Presented by Juliana Silva</a:t>
-            </a:r>
-          </a:p>
-        </p:txBody>
-      </p:sp>
-      <p:sp>
-        <p:nvSpPr>
-          <p:cNvPr name="Freeform 7" id="7"/>
-          <p:cNvSpPr/>
-          <p:nvPr/>
-        </p:nvSpPr>
-        <p:spPr>
-          <a:xfrm flipH="false" flipV="false" rot="-3755510">
-            <a:off x="14637629" y="5499669"/>
-            <a:ext cx="4096053" cy="7060062"/>
-          </a:xfrm>
-          <a:custGeom>
-            <a:avLst/>
-            <a:gdLst/>
-            <a:ahLst/>
-            <a:cxnLst/>
-            <a:rect r="r" b="b" t="t" l="l"/>
-            <a:pathLst>
-              <a:path h="7060062" w="4096053">
-                <a:moveTo>
-                  <a:pt x="0" y="0"/>
-                </a:moveTo>
-                <a:lnTo>
-                  <a:pt x="4096053" y="0"/>
-                </a:lnTo>
-                <a:lnTo>
-                  <a:pt x="4096053" y="7060062"/>
-                </a:lnTo>
-                <a:lnTo>
-                  <a:pt x="0" y="7060062"/>
-                </a:lnTo>
-                <a:lnTo>
-                  <a:pt x="0" y="0"/>
-                </a:lnTo>
-                <a:close/>
-              </a:path>
-            </a:pathLst>
-          </a:custGeom>
-          <a:blipFill>
-            <a:blip r:embed="rId6">
-              <a:extLst>
-                <a:ext uri="{96DAC541-7B7A-43D3-8B79-37D633B846F1}">
-                  <asvg:svgBlip xmlns:asvg="http://schemas.microsoft.com/office/drawing/2016/SVG/main" r:embed="rId7"/>
-                </a:ext>
-              </a:extLst>
-            </a:blip>
-            <a:stretch>
-              <a:fillRect l="0" t="0" r="0" b="0"/>
-            </a:stretch>
-          </a:blipFill>
-        </p:spPr>
-      </p:sp>
-      <p:sp>
-        <p:nvSpPr>
-          <p:cNvPr name="TextBox 8" id="8"/>
-          <p:cNvSpPr txBox="true"/>
-          <p:nvPr/>
-        </p:nvSpPr>
-        <p:spPr>
-          <a:xfrm rot="0">
-            <a:off x="3295825" y="2703344"/>
-            <a:ext cx="11696350" cy="1214357"/>
-          </a:xfrm>
-          <a:prstGeom prst="rect">
-            <a:avLst/>
-          </a:prstGeom>
-        </p:spPr>
-        <p:txBody>
-          <a:bodyPr anchor="t" rtlCol="false" tIns="0" lIns="0" bIns="0" rIns="0">
-            <a:spAutoFit/>
-          </a:bodyPr>
-          <a:lstStyle/>
-          <a:p>
-            <a:pPr algn="ctr">
-              <a:lnSpc>
-                <a:spcPts val="9060"/>
-              </a:lnSpc>
-            </a:pPr>
-            <a:r>
-              <a:rPr lang="en-US" sz="9060">
-                <a:solidFill>
-                  <a:srgbClr val="000000"/>
-                </a:solidFill>
-                <a:latin typeface="Yeseva One"/>
-              </a:rPr>
-              <a:t>Recommendation</a:t>
-            </a:r>
-          </a:p>
-        </p:txBody>
-      </p:sp>
-      <p:sp>
-        <p:nvSpPr>
-          <p:cNvPr name="TextBox 9" id="9"/>
-          <p:cNvSpPr txBox="true"/>
-          <p:nvPr/>
-        </p:nvSpPr>
-        <p:spPr>
-          <a:xfrm rot="0">
-            <a:off x="1315522" y="4678531"/>
-            <a:ext cx="4963220" cy="3067050"/>
-          </a:xfrm>
-          <a:prstGeom prst="rect">
-            <a:avLst/>
-          </a:prstGeom>
-        </p:spPr>
-        <p:txBody>
-          <a:bodyPr anchor="t" rtlCol="false" tIns="0" lIns="0" bIns="0" rIns="0">
-            <a:spAutoFit/>
-          </a:bodyPr>
-          <a:lstStyle/>
-          <a:p>
-            <a:pPr algn="l">
-              <a:lnSpc>
-                <a:spcPts val="3000"/>
-              </a:lnSpc>
-            </a:pPr>
-            <a:r>
-              <a:rPr lang="en-US" sz="3000">
-                <a:solidFill>
-                  <a:srgbClr val="000000"/>
-                </a:solidFill>
-                <a:latin typeface="Libre Baskerville"/>
-              </a:rPr>
-              <a:t>Lorem ipsum dolor sit amet, consectetur adipiscing elit. Vivamus sed vestibulum nunc, eget aliquam felis. Sed nunc purus, accumsan sit amet dictum in, ornare in dui.</a:t>
-            </a:r>
-          </a:p>
-        </p:txBody>
-      </p:sp>
-      <p:sp>
-        <p:nvSpPr>
-          <p:cNvPr name="TextBox 10" id="10"/>
-          <p:cNvSpPr txBox="true"/>
-          <p:nvPr/>
-        </p:nvSpPr>
-        <p:spPr>
-          <a:xfrm rot="0">
-            <a:off x="6717973" y="4678531"/>
-            <a:ext cx="4947821" cy="3067050"/>
-          </a:xfrm>
-          <a:prstGeom prst="rect">
-            <a:avLst/>
-          </a:prstGeom>
-        </p:spPr>
-        <p:txBody>
-          <a:bodyPr anchor="t" rtlCol="false" tIns="0" lIns="0" bIns="0" rIns="0">
-            <a:spAutoFit/>
-          </a:bodyPr>
-          <a:lstStyle/>
-          <a:p>
-            <a:pPr algn="l">
-              <a:lnSpc>
-                <a:spcPts val="3000"/>
-              </a:lnSpc>
-            </a:pPr>
-            <a:r>
-              <a:rPr lang="en-US" sz="3000">
-                <a:solidFill>
-                  <a:srgbClr val="000000"/>
-                </a:solidFill>
-                <a:latin typeface="Libre Baskerville"/>
-              </a:rPr>
-              <a:t>Lorem ipsum dolor sit amet, consectetur adipiscing elit. Vivamus sed vestibulum nunc, eget aliquam felis. Sed nunc purus, accumsan sit amet dictum in, ornare in dui.</a:t>
-            </a:r>
-          </a:p>
-        </p:txBody>
-      </p:sp>
-      <p:sp>
-        <p:nvSpPr>
-          <p:cNvPr name="TextBox 11" id="11"/>
-          <p:cNvSpPr txBox="true"/>
-          <p:nvPr/>
-        </p:nvSpPr>
-        <p:spPr>
-          <a:xfrm rot="0">
-            <a:off x="12120423" y="4678531"/>
-            <a:ext cx="4852055" cy="3067050"/>
-          </a:xfrm>
-          <a:prstGeom prst="rect">
-            <a:avLst/>
-          </a:prstGeom>
-        </p:spPr>
-        <p:txBody>
-          <a:bodyPr anchor="t" rtlCol="false" tIns="0" lIns="0" bIns="0" rIns="0">
-            <a:spAutoFit/>
-          </a:bodyPr>
-          <a:lstStyle/>
-          <a:p>
-            <a:pPr algn="l">
-              <a:lnSpc>
-                <a:spcPts val="3000"/>
-              </a:lnSpc>
-            </a:pPr>
-            <a:r>
-              <a:rPr lang="en-US" sz="3000">
-                <a:solidFill>
-                  <a:srgbClr val="000000"/>
-                </a:solidFill>
-                <a:latin typeface="Libre Baskerville"/>
-              </a:rPr>
-              <a:t>Lorem ipsum dolor sit amet, consectetur adipiscing elit. Vivamus sed vestibulum nunc, eget aliquam felis. Sed nunc purus, accumsan sit amet dictum in, ornare in dui.</a:t>
-            </a:r>
-          </a:p>
-        </p:txBody>
-      </p:sp>
-      <p:sp>
-        <p:nvSpPr>
-          <p:cNvPr name="TextBox 12" id="12"/>
-          <p:cNvSpPr txBox="true"/>
-          <p:nvPr/>
-        </p:nvSpPr>
-        <p:spPr>
-          <a:xfrm rot="0">
-            <a:off x="1328165" y="4151481"/>
-            <a:ext cx="2468967" cy="469900"/>
-          </a:xfrm>
-          <a:prstGeom prst="rect">
-            <a:avLst/>
-          </a:prstGeom>
-        </p:spPr>
-        <p:txBody>
-          <a:bodyPr anchor="t" rtlCol="false" tIns="0" lIns="0" bIns="0" rIns="0">
-            <a:spAutoFit/>
-          </a:bodyPr>
-          <a:lstStyle/>
-          <a:p>
-            <a:pPr algn="l">
-              <a:lnSpc>
-                <a:spcPts val="3500"/>
-              </a:lnSpc>
-            </a:pPr>
-            <a:r>
-              <a:rPr lang="en-US" sz="3500">
-                <a:solidFill>
-                  <a:srgbClr val="000000"/>
-                </a:solidFill>
-                <a:latin typeface="Yeseva One"/>
-              </a:rPr>
-              <a:t>1</a:t>
-            </a:r>
-          </a:p>
-        </p:txBody>
-      </p:sp>
-      <p:sp>
-        <p:nvSpPr>
-          <p:cNvPr name="TextBox 13" id="13"/>
-          <p:cNvSpPr txBox="true"/>
-          <p:nvPr/>
-        </p:nvSpPr>
-        <p:spPr>
-          <a:xfrm rot="0">
-            <a:off x="6717973" y="4151481"/>
-            <a:ext cx="2473910" cy="469900"/>
-          </a:xfrm>
-          <a:prstGeom prst="rect">
-            <a:avLst/>
-          </a:prstGeom>
-        </p:spPr>
-        <p:txBody>
-          <a:bodyPr anchor="t" rtlCol="false" tIns="0" lIns="0" bIns="0" rIns="0">
-            <a:spAutoFit/>
-          </a:bodyPr>
-          <a:lstStyle/>
-          <a:p>
-            <a:pPr algn="l">
-              <a:lnSpc>
-                <a:spcPts val="3500"/>
-              </a:lnSpc>
-            </a:pPr>
-            <a:r>
-              <a:rPr lang="en-US" sz="3500">
-                <a:solidFill>
-                  <a:srgbClr val="000000"/>
-                </a:solidFill>
-                <a:latin typeface="Yeseva One"/>
-              </a:rPr>
-              <a:t>2</a:t>
-            </a:r>
-          </a:p>
-        </p:txBody>
-      </p:sp>
-      <p:sp>
-        <p:nvSpPr>
-          <p:cNvPr name="TextBox 14" id="14"/>
-          <p:cNvSpPr txBox="true"/>
-          <p:nvPr/>
-        </p:nvSpPr>
-        <p:spPr>
-          <a:xfrm rot="0">
-            <a:off x="12185975" y="4151481"/>
-            <a:ext cx="2360476" cy="469900"/>
-          </a:xfrm>
-          <a:prstGeom prst="rect">
-            <a:avLst/>
-          </a:prstGeom>
-        </p:spPr>
-        <p:txBody>
-          <a:bodyPr anchor="t" rtlCol="false" tIns="0" lIns="0" bIns="0" rIns="0">
-            <a:spAutoFit/>
-          </a:bodyPr>
-          <a:lstStyle/>
-          <a:p>
-            <a:pPr algn="l">
-              <a:lnSpc>
-                <a:spcPts val="3500"/>
-              </a:lnSpc>
-            </a:pPr>
-            <a:r>
-              <a:rPr lang="en-US" sz="3500">
-                <a:solidFill>
-                  <a:srgbClr val="000000"/>
-                </a:solidFill>
-                <a:latin typeface="Yeseva One"/>
-              </a:rPr>
-              <a:t>3</a:t>
-            </a:r>
-          </a:p>
-        </p:txBody>
-      </p:sp>
-    </p:spTree>
-  </p:cSld>
-  <p:clrMapOvr>
-    <a:masterClrMapping/>
-  </p:clrMapOvr>
-</p:sld>
-</file>
-
-<file path=ppt/slides/slide13.xml><?xml version="1.0" encoding="utf-8"?>
-<p:sld xmlns:p="http://schemas.openxmlformats.org/presentationml/2006/main" xmlns:a="http://schemas.openxmlformats.org/drawingml/2006/main" xmlns:r="http://schemas.openxmlformats.org/officeDocument/2006/relationships">
-  <p:cSld>
-    <p:bg>
-      <p:bgPr>
-        <a:solidFill>
-          <a:srgbClr val="DAD5D1"/>
-        </a:solidFill>
-      </p:bgPr>
-    </p:bg>
-    <p:spTree>
-      <p:nvGrpSpPr>
-        <p:cNvPr id="1" name=""/>
-        <p:cNvGrpSpPr/>
-        <p:nvPr/>
-      </p:nvGrpSpPr>
-      <p:grpSpPr>
-        <a:xfrm>
-          <a:off x="0" y="0"/>
-          <a:ext cx="0" cy="0"/>
-          <a:chOff x="0" y="0"/>
-          <a:chExt cx="0" cy="0"/>
-        </a:xfrm>
-      </p:grpSpPr>
-      <p:sp>
-        <p:nvSpPr>
-          <p:cNvPr name="TextBox 2" id="2"/>
-          <p:cNvSpPr txBox="true"/>
-          <p:nvPr/>
-        </p:nvSpPr>
-        <p:spPr>
-          <a:xfrm rot="0">
-            <a:off x="3283182" y="3632200"/>
-            <a:ext cx="11721636" cy="3251201"/>
-          </a:xfrm>
-          <a:prstGeom prst="rect">
-            <a:avLst/>
-          </a:prstGeom>
-        </p:spPr>
-        <p:txBody>
-          <a:bodyPr anchor="t" rtlCol="false" tIns="0" lIns="0" bIns="0" rIns="0">
-            <a:spAutoFit/>
-          </a:bodyPr>
-          <a:lstStyle/>
-          <a:p>
-            <a:pPr algn="ctr">
-              <a:lnSpc>
-                <a:spcPts val="12500"/>
-              </a:lnSpc>
-            </a:pPr>
-            <a:r>
-              <a:rPr lang="en-US" sz="12500">
-                <a:solidFill>
-                  <a:srgbClr val="000000"/>
-                </a:solidFill>
-                <a:latin typeface="Yeseva One"/>
-              </a:rPr>
-              <a:t>Thank</a:t>
-            </a:r>
-          </a:p>
-          <a:p>
-            <a:pPr algn="ctr">
-              <a:lnSpc>
-                <a:spcPts val="12500"/>
-              </a:lnSpc>
-            </a:pPr>
-            <a:r>
-              <a:rPr lang="en-US" sz="12500">
-                <a:solidFill>
-                  <a:srgbClr val="000000"/>
-                </a:solidFill>
-                <a:latin typeface="Yeseva One"/>
-              </a:rPr>
-              <a:t>You</a:t>
-            </a:r>
-          </a:p>
-        </p:txBody>
-      </p:sp>
-      <p:sp>
-        <p:nvSpPr>
-          <p:cNvPr name="Freeform 3" id="3"/>
-          <p:cNvSpPr/>
-          <p:nvPr/>
-        </p:nvSpPr>
-        <p:spPr>
-          <a:xfrm flipH="false" flipV="false" rot="0">
-            <a:off x="12610204" y="-571500"/>
-            <a:ext cx="6626483" cy="5715000"/>
-          </a:xfrm>
-          <a:custGeom>
-            <a:avLst/>
-            <a:gdLst/>
-            <a:ahLst/>
-            <a:cxnLst/>
-            <a:rect r="r" b="b" t="t" l="l"/>
-            <a:pathLst>
-              <a:path h="5715000" w="6626483">
-                <a:moveTo>
-                  <a:pt x="0" y="0"/>
-                </a:moveTo>
-                <a:lnTo>
-                  <a:pt x="6626483" y="0"/>
-                </a:lnTo>
-                <a:lnTo>
-                  <a:pt x="6626483" y="5715000"/>
-                </a:lnTo>
-                <a:lnTo>
-                  <a:pt x="0" y="5715000"/>
-                </a:lnTo>
-                <a:lnTo>
-                  <a:pt x="0" y="0"/>
-                </a:lnTo>
-                <a:close/>
-              </a:path>
-            </a:pathLst>
-          </a:custGeom>
-          <a:blipFill>
-            <a:blip r:embed="rId2">
-              <a:extLst>
-                <a:ext uri="{96DAC541-7B7A-43D3-8B79-37D633B846F1}">
-                  <asvg:svgBlip xmlns:asvg="http://schemas.microsoft.com/office/drawing/2016/SVG/main" r:embed="rId3"/>
-                </a:ext>
-              </a:extLst>
-            </a:blip>
-            <a:stretch>
-              <a:fillRect l="0" t="0" r="0" b="0"/>
-            </a:stretch>
-          </a:blipFill>
-        </p:spPr>
-      </p:sp>
-      <p:sp>
-        <p:nvSpPr>
-          <p:cNvPr name="Freeform 4" id="4"/>
-          <p:cNvSpPr/>
-          <p:nvPr/>
-        </p:nvSpPr>
-        <p:spPr>
-          <a:xfrm flipH="false" flipV="false" rot="-1266137">
-            <a:off x="-1277219" y="5897732"/>
-            <a:ext cx="5210769" cy="6721137"/>
-          </a:xfrm>
-          <a:custGeom>
-            <a:avLst/>
-            <a:gdLst/>
-            <a:ahLst/>
-            <a:cxnLst/>
-            <a:rect r="r" b="b" t="t" l="l"/>
-            <a:pathLst>
-              <a:path h="6721137" w="5210769">
-                <a:moveTo>
-                  <a:pt x="0" y="0"/>
-                </a:moveTo>
-                <a:lnTo>
-                  <a:pt x="5210769" y="0"/>
-                </a:lnTo>
-                <a:lnTo>
-                  <a:pt x="5210769" y="6721136"/>
-                </a:lnTo>
-                <a:lnTo>
-                  <a:pt x="0" y="6721136"/>
-                </a:lnTo>
-                <a:lnTo>
-                  <a:pt x="0" y="0"/>
-                </a:lnTo>
-                <a:close/>
-              </a:path>
-            </a:pathLst>
-          </a:custGeom>
-          <a:blipFill>
-            <a:blip r:embed="rId4">
-              <a:extLst>
-                <a:ext uri="{96DAC541-7B7A-43D3-8B79-37D633B846F1}">
-                  <asvg:svgBlip xmlns:asvg="http://schemas.microsoft.com/office/drawing/2016/SVG/main" r:embed="rId5"/>
-                </a:ext>
-              </a:extLst>
-            </a:blip>
-            <a:stretch>
-              <a:fillRect l="0" t="0" r="0" b="0"/>
-            </a:stretch>
-          </a:blipFill>
-        </p:spPr>
-      </p:sp>
-      <p:sp>
-        <p:nvSpPr>
-          <p:cNvPr name="Freeform 5" id="5"/>
-          <p:cNvSpPr/>
-          <p:nvPr/>
-        </p:nvSpPr>
-        <p:spPr>
-          <a:xfrm flipH="false" flipV="false" rot="-5569636">
-            <a:off x="779619" y="-2269556"/>
-            <a:ext cx="4096053" cy="7060062"/>
-          </a:xfrm>
-          <a:custGeom>
-            <a:avLst/>
-            <a:gdLst/>
-            <a:ahLst/>
-            <a:cxnLst/>
-            <a:rect r="r" b="b" t="t" l="l"/>
-            <a:pathLst>
-              <a:path h="7060062" w="4096053">
-                <a:moveTo>
-                  <a:pt x="0" y="0"/>
-                </a:moveTo>
-                <a:lnTo>
-                  <a:pt x="4096053" y="0"/>
-                </a:lnTo>
-                <a:lnTo>
-                  <a:pt x="4096053" y="7060062"/>
-                </a:lnTo>
-                <a:lnTo>
-                  <a:pt x="0" y="7060062"/>
-                </a:lnTo>
-                <a:lnTo>
-                  <a:pt x="0" y="0"/>
-                </a:lnTo>
-                <a:close/>
-              </a:path>
-            </a:pathLst>
-          </a:custGeom>
-          <a:blipFill>
-            <a:blip r:embed="rId6">
-              <a:extLst>
-                <a:ext uri="{96DAC541-7B7A-43D3-8B79-37D633B846F1}">
-                  <asvg:svgBlip xmlns:asvg="http://schemas.microsoft.com/office/drawing/2016/SVG/main" r:embed="rId7"/>
-                </a:ext>
-              </a:extLst>
-            </a:blip>
-            <a:stretch>
-              <a:fillRect l="0" t="0" r="0" b="0"/>
-            </a:stretch>
-          </a:blipFill>
-        </p:spPr>
-      </p:sp>
-      <p:sp>
-        <p:nvSpPr>
-          <p:cNvPr name="TextBox 6" id="6"/>
-          <p:cNvSpPr txBox="true"/>
-          <p:nvPr/>
-        </p:nvSpPr>
-        <p:spPr>
-          <a:xfrm rot="0">
-            <a:off x="3283182" y="1089025"/>
-            <a:ext cx="11721636" cy="400050"/>
-          </a:xfrm>
-          <a:prstGeom prst="rect">
-            <a:avLst/>
-          </a:prstGeom>
-        </p:spPr>
-        <p:txBody>
-          <a:bodyPr anchor="t" rtlCol="false" tIns="0" lIns="0" bIns="0" rIns="0">
-            <a:spAutoFit/>
-          </a:bodyPr>
-          <a:lstStyle/>
-          <a:p>
-            <a:pPr algn="ctr">
-              <a:lnSpc>
-                <a:spcPts val="3000"/>
-              </a:lnSpc>
-            </a:pPr>
-            <a:r>
-              <a:rPr lang="en-US" sz="3000">
-                <a:solidFill>
-                  <a:srgbClr val="000000"/>
-                </a:solidFill>
-                <a:latin typeface="Libre Baskerville"/>
-              </a:rPr>
-              <a:t>Borcelle University</a:t>
-            </a:r>
-          </a:p>
-        </p:txBody>
-      </p:sp>
-      <p:sp>
-        <p:nvSpPr>
-          <p:cNvPr name="TextBox 7" id="7"/>
-          <p:cNvSpPr txBox="true"/>
-          <p:nvPr/>
-        </p:nvSpPr>
-        <p:spPr>
-          <a:xfrm rot="0">
-            <a:off x="3283182" y="8858250"/>
-            <a:ext cx="11721636" cy="400050"/>
-          </a:xfrm>
-          <a:prstGeom prst="rect">
-            <a:avLst/>
-          </a:prstGeom>
-        </p:spPr>
-        <p:txBody>
-          <a:bodyPr anchor="t" rtlCol="false" tIns="0" lIns="0" bIns="0" rIns="0">
-            <a:spAutoFit/>
-          </a:bodyPr>
-          <a:lstStyle/>
-          <a:p>
-            <a:pPr algn="ctr">
-              <a:lnSpc>
-                <a:spcPts val="3000"/>
-              </a:lnSpc>
-            </a:pPr>
-            <a:r>
-              <a:rPr lang="en-US" sz="3000">
-                <a:solidFill>
-                  <a:srgbClr val="000000"/>
-                </a:solidFill>
-                <a:latin typeface="Libre Baskerville"/>
-              </a:rPr>
-              <a:t>Presented by Juliana Silva</a:t>
-            </a:r>
-          </a:p>
-        </p:txBody>
-      </p:sp>
-      <p:sp>
-        <p:nvSpPr>
-          <p:cNvPr name="Freeform 8" id="8"/>
-          <p:cNvSpPr/>
-          <p:nvPr/>
-        </p:nvSpPr>
-        <p:spPr>
-          <a:xfrm flipH="false" flipV="false" rot="-3755510">
-            <a:off x="14637629" y="5499669"/>
-            <a:ext cx="4096053" cy="7060062"/>
-          </a:xfrm>
-          <a:custGeom>
-            <a:avLst/>
-            <a:gdLst/>
-            <a:ahLst/>
-            <a:cxnLst/>
-            <a:rect r="r" b="b" t="t" l="l"/>
-            <a:pathLst>
-              <a:path h="7060062" w="4096053">
-                <a:moveTo>
-                  <a:pt x="0" y="0"/>
-                </a:moveTo>
-                <a:lnTo>
-                  <a:pt x="4096053" y="0"/>
-                </a:lnTo>
-                <a:lnTo>
-                  <a:pt x="4096053" y="7060062"/>
-                </a:lnTo>
-                <a:lnTo>
-                  <a:pt x="0" y="7060062"/>
-                </a:lnTo>
-                <a:lnTo>
-                  <a:pt x="0" y="0"/>
-                </a:lnTo>
-                <a:close/>
-              </a:path>
-            </a:pathLst>
-          </a:custGeom>
-          <a:blipFill>
-            <a:blip r:embed="rId6">
-              <a:extLst>
-                <a:ext uri="{96DAC541-7B7A-43D3-8B79-37D633B846F1}">
-                  <asvg:svgBlip xmlns:asvg="http://schemas.microsoft.com/office/drawing/2016/SVG/main" r:embed="rId7"/>
-                </a:ext>
-              </a:extLst>
-            </a:blip>
-            <a:stretch>
-              <a:fillRect l="0" t="0" r="0" b="0"/>
-            </a:stretch>
-          </a:blipFill>
-        </p:spPr>
-      </p:sp>
-    </p:spTree>
-  </p:cSld>
-  <p:clrMapOvr>
-    <a:masterClrMapping/>
-  </p:clrMapOvr>
-</p:sld>
-</file>
-
 <file path=ppt/slides/slide2.xml><?xml version="1.0" encoding="utf-8"?>
 <p:sld xmlns:p="http://schemas.openxmlformats.org/presentationml/2006/main" xmlns:a="http://schemas.openxmlformats.org/drawingml/2006/main" xmlns:r="http://schemas.openxmlformats.org/officeDocument/2006/relationships">
   <p:cSld>
@@ -7962,7 +6173,61 @@
       </p:grpSpPr>
       <p:sp>
         <p:nvSpPr>
-          <p:cNvPr name="Freeform 2" id="2"/>
+          <p:cNvPr name="TextBox 2" id="2"/>
+          <p:cNvSpPr txBox="true"/>
+          <p:nvPr/>
+        </p:nvSpPr>
+        <p:spPr>
+          <a:xfrm rot="0">
+            <a:off x="3283182" y="3632200"/>
+            <a:ext cx="11721636" cy="3251201"/>
+          </a:xfrm>
+          <a:prstGeom prst="rect">
+            <a:avLst/>
+          </a:prstGeom>
+        </p:spPr>
+        <p:txBody>
+          <a:bodyPr anchor="t" rtlCol="false" tIns="0" lIns="0" bIns="0" rIns="0">
+            <a:spAutoFit/>
+          </a:bodyPr>
+          <a:lstStyle/>
+          <a:p>
+            <a:pPr algn="ctr">
+              <a:lnSpc>
+                <a:spcPts val="12500"/>
+              </a:lnSpc>
+            </a:pPr>
+            <a:r>
+              <a:rPr lang="en-US" sz="12500">
+                <a:solidFill>
+                  <a:srgbClr val="000000"/>
+                </a:solidFill>
+                <a:latin typeface="Yeseva One"/>
+              </a:rPr>
+              <a:t>Thank</a:t>
+            </a:r>
+          </a:p>
+          <a:p>
+            <a:pPr algn="ctr">
+              <a:lnSpc>
+                <a:spcPts val="12500"/>
+              </a:lnSpc>
+            </a:pPr>
+            <a:r>
+              <a:rPr lang="en-US" sz="12500">
+                <a:solidFill>
+                  <a:srgbClr val="000000"/>
+                </a:solidFill>
+                <a:latin typeface="Yeseva One"/>
+              </a:rPr>
+              <a:t>You</a:t>
+            </a:r>
+          </a:p>
+        </p:txBody>
+      </p:sp>
+      <p:sp>
+        <p:nvSpPr>
+          <p:cNvPr name="Freeform 3" id="3"/>
           <p:cNvSpPr/>
           <p:nvPr/>
         </p:nvSpPr>
@@ -8014,7 +6279,7 @@
       </p:sp>
       <p:sp>
         <p:nvSpPr>
-          <p:cNvPr name="Freeform 3" id="3"/>
+          <p:cNvPr name="Freeform 4" id="4"/>
           <p:cNvSpPr/>
           <p:nvPr/>
         </p:nvSpPr>
@@ -8066,7 +6331,7 @@
       </p:sp>
       <p:sp>
         <p:nvSpPr>
-          <p:cNvPr name="Freeform 4" id="4"/>
+          <p:cNvPr name="Freeform 5" id="5"/>
           <p:cNvSpPr/>
           <p:nvPr/>
         </p:nvSpPr>
@@ -8118,83 +6383,7 @@
       </p:sp>
       <p:sp>
         <p:nvSpPr>
-          <p:cNvPr name="TextBox 5" id="5"/>
-          <p:cNvSpPr txBox="true"/>
-          <p:nvPr/>
-        </p:nvSpPr>
-        <p:spPr>
-          <a:xfrm rot="0">
-            <a:off x="3283182" y="1089025"/>
-            <a:ext cx="11721636" cy="400050"/>
-          </a:xfrm>
-          <a:prstGeom prst="rect">
-            <a:avLst/>
-          </a:prstGeom>
-        </p:spPr>
-        <p:txBody>
-          <a:bodyPr anchor="t" rtlCol="false" tIns="0" lIns="0" bIns="0" rIns="0">
-            <a:spAutoFit/>
-          </a:bodyPr>
-          <a:lstStyle/>
-          <a:p>
-            <a:pPr algn="ctr">
-              <a:lnSpc>
-                <a:spcPts val="3000"/>
-              </a:lnSpc>
-            </a:pPr>
-            <a:r>
-              <a:rPr lang="en-US" sz="3000">
-                <a:solidFill>
-                  <a:srgbClr val="000000"/>
-                </a:solidFill>
-                <a:latin typeface="Libre Baskerville"/>
-              </a:rPr>
-              <a:t>Borcelle University</a:t>
-            </a:r>
-          </a:p>
-        </p:txBody>
-      </p:sp>
-      <p:sp>
-        <p:nvSpPr>
-          <p:cNvPr name="TextBox 6" id="6"/>
-          <p:cNvSpPr txBox="true"/>
-          <p:nvPr/>
-        </p:nvSpPr>
-        <p:spPr>
-          <a:xfrm rot="0">
-            <a:off x="3283182" y="8858250"/>
-            <a:ext cx="11721636" cy="400050"/>
-          </a:xfrm>
-          <a:prstGeom prst="rect">
-            <a:avLst/>
-          </a:prstGeom>
-        </p:spPr>
-        <p:txBody>
-          <a:bodyPr anchor="t" rtlCol="false" tIns="0" lIns="0" bIns="0" rIns="0">
-            <a:spAutoFit/>
-          </a:bodyPr>
-          <a:lstStyle/>
-          <a:p>
-            <a:pPr algn="ctr">
-              <a:lnSpc>
-                <a:spcPts val="3000"/>
-              </a:lnSpc>
-            </a:pPr>
-            <a:r>
-              <a:rPr lang="en-US" sz="3000">
-                <a:solidFill>
-                  <a:srgbClr val="000000"/>
-                </a:solidFill>
-                <a:latin typeface="Libre Baskerville"/>
-              </a:rPr>
-              <a:t>Presented by Juliana Silva</a:t>
-            </a:r>
-          </a:p>
-        </p:txBody>
-      </p:sp>
-      <p:sp>
-        <p:nvSpPr>
-          <p:cNvPr name="Freeform 7" id="7"/>
+          <p:cNvPr name="Freeform 6" id="6"/>
           <p:cNvSpPr/>
           <p:nvPr/>
         </p:nvSpPr>
@@ -8243,778 +6432,6 @@
             </a:stretch>
           </a:blipFill>
         </p:spPr>
-      </p:sp>
-      <p:sp>
-        <p:nvSpPr>
-          <p:cNvPr name="TextBox 8" id="8"/>
-          <p:cNvSpPr txBox="true"/>
-          <p:nvPr/>
-        </p:nvSpPr>
-        <p:spPr>
-          <a:xfrm rot="0">
-            <a:off x="1028700" y="2728636"/>
-            <a:ext cx="16230600" cy="1214357"/>
-          </a:xfrm>
-          <a:prstGeom prst="rect">
-            <a:avLst/>
-          </a:prstGeom>
-        </p:spPr>
-        <p:txBody>
-          <a:bodyPr anchor="t" rtlCol="false" tIns="0" lIns="0" bIns="0" rIns="0">
-            <a:spAutoFit/>
-          </a:bodyPr>
-          <a:lstStyle/>
-          <a:p>
-            <a:pPr algn="ctr">
-              <a:lnSpc>
-                <a:spcPts val="9060"/>
-              </a:lnSpc>
-            </a:pPr>
-            <a:r>
-              <a:rPr lang="en-US" sz="9060">
-                <a:solidFill>
-                  <a:srgbClr val="000000"/>
-                </a:solidFill>
-                <a:latin typeface="Yeseva One"/>
-              </a:rPr>
-              <a:t>Methodology</a:t>
-            </a:r>
-          </a:p>
-        </p:txBody>
-      </p:sp>
-      <p:sp>
-        <p:nvSpPr>
-          <p:cNvPr name="TextBox 9" id="9"/>
-          <p:cNvSpPr txBox="true"/>
-          <p:nvPr/>
-        </p:nvSpPr>
-        <p:spPr>
-          <a:xfrm rot="0">
-            <a:off x="1147480" y="4653239"/>
-            <a:ext cx="7877739" cy="3067050"/>
-          </a:xfrm>
-          <a:prstGeom prst="rect">
-            <a:avLst/>
-          </a:prstGeom>
-        </p:spPr>
-        <p:txBody>
-          <a:bodyPr anchor="t" rtlCol="false" tIns="0" lIns="0" bIns="0" rIns="0">
-            <a:spAutoFit/>
-          </a:bodyPr>
-          <a:lstStyle/>
-          <a:p>
-            <a:pPr algn="l">
-              <a:lnSpc>
-                <a:spcPts val="3000"/>
-              </a:lnSpc>
-            </a:pPr>
-            <a:r>
-              <a:rPr lang="en-US" sz="3000">
-                <a:solidFill>
-                  <a:srgbClr val="000000"/>
-                </a:solidFill>
-                <a:latin typeface="Libre Baskerville"/>
-              </a:rPr>
-              <a:t>Lorem ipsum dolor sit amet, consectetur adipiscing elit. Vivamus sed vestibulum nunc, eget aliquam felis. Sed nunc purus, accumsan sit amet dictum in, ornare in dui. Ut imperdiet ante eros, sed porta ex eleifend ac. Donec non porttitor leo. Nulla luctus ex lacus, ut scelerisque odio semper nec.</a:t>
-            </a:r>
-          </a:p>
-        </p:txBody>
-      </p:sp>
-      <p:sp>
-        <p:nvSpPr>
-          <p:cNvPr name="TextBox 10" id="10"/>
-          <p:cNvSpPr txBox="true"/>
-          <p:nvPr/>
-        </p:nvSpPr>
-        <p:spPr>
-          <a:xfrm rot="0">
-            <a:off x="1147480" y="4126189"/>
-            <a:ext cx="3940619" cy="469900"/>
-          </a:xfrm>
-          <a:prstGeom prst="rect">
-            <a:avLst/>
-          </a:prstGeom>
-        </p:spPr>
-        <p:txBody>
-          <a:bodyPr anchor="t" rtlCol="false" tIns="0" lIns="0" bIns="0" rIns="0">
-            <a:spAutoFit/>
-          </a:bodyPr>
-          <a:lstStyle/>
-          <a:p>
-            <a:pPr algn="l">
-              <a:lnSpc>
-                <a:spcPts val="3500"/>
-              </a:lnSpc>
-            </a:pPr>
-            <a:r>
-              <a:rPr lang="en-US" sz="3500">
-                <a:solidFill>
-                  <a:srgbClr val="000000"/>
-                </a:solidFill>
-                <a:latin typeface="Yeseva One"/>
-              </a:rPr>
-              <a:t>Quantitative</a:t>
-            </a:r>
-          </a:p>
-        </p:txBody>
-      </p:sp>
-      <p:sp>
-        <p:nvSpPr>
-          <p:cNvPr name="TextBox 11" id="11"/>
-          <p:cNvSpPr txBox="true"/>
-          <p:nvPr/>
-        </p:nvSpPr>
-        <p:spPr>
-          <a:xfrm rot="0">
-            <a:off x="9262780" y="4653239"/>
-            <a:ext cx="7877739" cy="3067050"/>
-          </a:xfrm>
-          <a:prstGeom prst="rect">
-            <a:avLst/>
-          </a:prstGeom>
-        </p:spPr>
-        <p:txBody>
-          <a:bodyPr anchor="t" rtlCol="false" tIns="0" lIns="0" bIns="0" rIns="0">
-            <a:spAutoFit/>
-          </a:bodyPr>
-          <a:lstStyle/>
-          <a:p>
-            <a:pPr algn="l">
-              <a:lnSpc>
-                <a:spcPts val="3000"/>
-              </a:lnSpc>
-            </a:pPr>
-            <a:r>
-              <a:rPr lang="en-US" sz="3000">
-                <a:solidFill>
-                  <a:srgbClr val="000000"/>
-                </a:solidFill>
-                <a:latin typeface="Libre Baskerville"/>
-              </a:rPr>
-              <a:t>Lorem ipsum dolor sit amet, consectetur adipiscing elit. Vivamus sed vestibulum nunc, eget aliquam felis. Sed nunc purus, accumsan sit amet dictum in, ornare in dui. Ut imperdiet ante eros, sed porta ex eleifend ac. Donec non porttitor leo. Nulla luctus ex lacus, ut scelerisque odio semper nec.</a:t>
-            </a:r>
-          </a:p>
-        </p:txBody>
-      </p:sp>
-      <p:sp>
-        <p:nvSpPr>
-          <p:cNvPr name="TextBox 12" id="12"/>
-          <p:cNvSpPr txBox="true"/>
-          <p:nvPr/>
-        </p:nvSpPr>
-        <p:spPr>
-          <a:xfrm rot="0">
-            <a:off x="9262780" y="4126189"/>
-            <a:ext cx="3940619" cy="469900"/>
-          </a:xfrm>
-          <a:prstGeom prst="rect">
-            <a:avLst/>
-          </a:prstGeom>
-        </p:spPr>
-        <p:txBody>
-          <a:bodyPr anchor="t" rtlCol="false" tIns="0" lIns="0" bIns="0" rIns="0">
-            <a:spAutoFit/>
-          </a:bodyPr>
-          <a:lstStyle/>
-          <a:p>
-            <a:pPr algn="l">
-              <a:lnSpc>
-                <a:spcPts val="3500"/>
-              </a:lnSpc>
-            </a:pPr>
-            <a:r>
-              <a:rPr lang="en-US" sz="3500">
-                <a:solidFill>
-                  <a:srgbClr val="000000"/>
-                </a:solidFill>
-                <a:latin typeface="Yeseva One"/>
-              </a:rPr>
-              <a:t>Qualitative</a:t>
-            </a:r>
-          </a:p>
-        </p:txBody>
-      </p:sp>
-    </p:spTree>
-  </p:cSld>
-  <p:clrMapOvr>
-    <a:masterClrMapping/>
-  </p:clrMapOvr>
-</p:sld>
-</file>
-
-<file path=ppt/slides/slide9.xml><?xml version="1.0" encoding="utf-8"?>
-<p:sld xmlns:p="http://schemas.openxmlformats.org/presentationml/2006/main" xmlns:a="http://schemas.openxmlformats.org/drawingml/2006/main" xmlns:r="http://schemas.openxmlformats.org/officeDocument/2006/relationships">
-  <p:cSld>
-    <p:bg>
-      <p:bgPr>
-        <a:solidFill>
-          <a:srgbClr val="DAD5D1"/>
-        </a:solidFill>
-      </p:bgPr>
-    </p:bg>
-    <p:spTree>
-      <p:nvGrpSpPr>
-        <p:cNvPr id="1" name=""/>
-        <p:cNvGrpSpPr/>
-        <p:nvPr/>
-      </p:nvGrpSpPr>
-      <p:grpSpPr>
-        <a:xfrm>
-          <a:off x="0" y="0"/>
-          <a:ext cx="0" cy="0"/>
-          <a:chOff x="0" y="0"/>
-          <a:chExt cx="0" cy="0"/>
-        </a:xfrm>
-      </p:grpSpPr>
-      <p:sp>
-        <p:nvSpPr>
-          <p:cNvPr name="Freeform 2" id="2"/>
-          <p:cNvSpPr/>
-          <p:nvPr/>
-        </p:nvSpPr>
-        <p:spPr>
-          <a:xfrm flipH="false" flipV="false" rot="0">
-            <a:off x="12610204" y="-571500"/>
-            <a:ext cx="6626483" cy="5715000"/>
-          </a:xfrm>
-          <a:custGeom>
-            <a:avLst/>
-            <a:gdLst/>
-            <a:ahLst/>
-            <a:cxnLst/>
-            <a:rect r="r" b="b" t="t" l="l"/>
-            <a:pathLst>
-              <a:path h="5715000" w="6626483">
-                <a:moveTo>
-                  <a:pt x="0" y="0"/>
-                </a:moveTo>
-                <a:lnTo>
-                  <a:pt x="6626483" y="0"/>
-                </a:lnTo>
-                <a:lnTo>
-                  <a:pt x="6626483" y="5715000"/>
-                </a:lnTo>
-                <a:lnTo>
-                  <a:pt x="0" y="5715000"/>
-                </a:lnTo>
-                <a:lnTo>
-                  <a:pt x="0" y="0"/>
-                </a:lnTo>
-                <a:close/>
-              </a:path>
-            </a:pathLst>
-          </a:custGeom>
-          <a:blipFill>
-            <a:blip r:embed="rId2">
-              <a:extLst>
-                <a:ext uri="{96DAC541-7B7A-43D3-8B79-37D633B846F1}">
-                  <asvg:svgBlip xmlns:asvg="http://schemas.microsoft.com/office/drawing/2016/SVG/main" r:embed="rId3"/>
-                </a:ext>
-              </a:extLst>
-            </a:blip>
-            <a:stretch>
-              <a:fillRect l="0" t="0" r="0" b="0"/>
-            </a:stretch>
-          </a:blipFill>
-        </p:spPr>
-      </p:sp>
-      <p:sp>
-        <p:nvSpPr>
-          <p:cNvPr name="Freeform 3" id="3"/>
-          <p:cNvSpPr/>
-          <p:nvPr/>
-        </p:nvSpPr>
-        <p:spPr>
-          <a:xfrm flipH="false" flipV="false" rot="-1266137">
-            <a:off x="-1277219" y="5897732"/>
-            <a:ext cx="5210769" cy="6721137"/>
-          </a:xfrm>
-          <a:custGeom>
-            <a:avLst/>
-            <a:gdLst/>
-            <a:ahLst/>
-            <a:cxnLst/>
-            <a:rect r="r" b="b" t="t" l="l"/>
-            <a:pathLst>
-              <a:path h="6721137" w="5210769">
-                <a:moveTo>
-                  <a:pt x="0" y="0"/>
-                </a:moveTo>
-                <a:lnTo>
-                  <a:pt x="5210769" y="0"/>
-                </a:lnTo>
-                <a:lnTo>
-                  <a:pt x="5210769" y="6721136"/>
-                </a:lnTo>
-                <a:lnTo>
-                  <a:pt x="0" y="6721136"/>
-                </a:lnTo>
-                <a:lnTo>
-                  <a:pt x="0" y="0"/>
-                </a:lnTo>
-                <a:close/>
-              </a:path>
-            </a:pathLst>
-          </a:custGeom>
-          <a:blipFill>
-            <a:blip r:embed="rId4">
-              <a:extLst>
-                <a:ext uri="{96DAC541-7B7A-43D3-8B79-37D633B846F1}">
-                  <asvg:svgBlip xmlns:asvg="http://schemas.microsoft.com/office/drawing/2016/SVG/main" r:embed="rId5"/>
-                </a:ext>
-              </a:extLst>
-            </a:blip>
-            <a:stretch>
-              <a:fillRect l="0" t="0" r="0" b="0"/>
-            </a:stretch>
-          </a:blipFill>
-        </p:spPr>
-      </p:sp>
-      <p:sp>
-        <p:nvSpPr>
-          <p:cNvPr name="Freeform 4" id="4"/>
-          <p:cNvSpPr/>
-          <p:nvPr/>
-        </p:nvSpPr>
-        <p:spPr>
-          <a:xfrm flipH="false" flipV="false" rot="-5569636">
-            <a:off x="779619" y="-2269556"/>
-            <a:ext cx="4096053" cy="7060062"/>
-          </a:xfrm>
-          <a:custGeom>
-            <a:avLst/>
-            <a:gdLst/>
-            <a:ahLst/>
-            <a:cxnLst/>
-            <a:rect r="r" b="b" t="t" l="l"/>
-            <a:pathLst>
-              <a:path h="7060062" w="4096053">
-                <a:moveTo>
-                  <a:pt x="0" y="0"/>
-                </a:moveTo>
-                <a:lnTo>
-                  <a:pt x="4096053" y="0"/>
-                </a:lnTo>
-                <a:lnTo>
-                  <a:pt x="4096053" y="7060062"/>
-                </a:lnTo>
-                <a:lnTo>
-                  <a:pt x="0" y="7060062"/>
-                </a:lnTo>
-                <a:lnTo>
-                  <a:pt x="0" y="0"/>
-                </a:lnTo>
-                <a:close/>
-              </a:path>
-            </a:pathLst>
-          </a:custGeom>
-          <a:blipFill>
-            <a:blip r:embed="rId6">
-              <a:extLst>
-                <a:ext uri="{96DAC541-7B7A-43D3-8B79-37D633B846F1}">
-                  <asvg:svgBlip xmlns:asvg="http://schemas.microsoft.com/office/drawing/2016/SVG/main" r:embed="rId7"/>
-                </a:ext>
-              </a:extLst>
-            </a:blip>
-            <a:stretch>
-              <a:fillRect l="0" t="0" r="0" b="0"/>
-            </a:stretch>
-          </a:blipFill>
-        </p:spPr>
-      </p:sp>
-      <p:sp>
-        <p:nvSpPr>
-          <p:cNvPr name="TextBox 5" id="5"/>
-          <p:cNvSpPr txBox="true"/>
-          <p:nvPr/>
-        </p:nvSpPr>
-        <p:spPr>
-          <a:xfrm rot="0">
-            <a:off x="3283182" y="1089025"/>
-            <a:ext cx="11721636" cy="400050"/>
-          </a:xfrm>
-          <a:prstGeom prst="rect">
-            <a:avLst/>
-          </a:prstGeom>
-        </p:spPr>
-        <p:txBody>
-          <a:bodyPr anchor="t" rtlCol="false" tIns="0" lIns="0" bIns="0" rIns="0">
-            <a:spAutoFit/>
-          </a:bodyPr>
-          <a:lstStyle/>
-          <a:p>
-            <a:pPr algn="ctr">
-              <a:lnSpc>
-                <a:spcPts val="3000"/>
-              </a:lnSpc>
-            </a:pPr>
-            <a:r>
-              <a:rPr lang="en-US" sz="3000">
-                <a:solidFill>
-                  <a:srgbClr val="000000"/>
-                </a:solidFill>
-                <a:latin typeface="Libre Baskerville"/>
-              </a:rPr>
-              <a:t>Borcelle University</a:t>
-            </a:r>
-          </a:p>
-        </p:txBody>
-      </p:sp>
-      <p:sp>
-        <p:nvSpPr>
-          <p:cNvPr name="TextBox 6" id="6"/>
-          <p:cNvSpPr txBox="true"/>
-          <p:nvPr/>
-        </p:nvSpPr>
-        <p:spPr>
-          <a:xfrm rot="0">
-            <a:off x="3283182" y="8858250"/>
-            <a:ext cx="11721636" cy="400050"/>
-          </a:xfrm>
-          <a:prstGeom prst="rect">
-            <a:avLst/>
-          </a:prstGeom>
-        </p:spPr>
-        <p:txBody>
-          <a:bodyPr anchor="t" rtlCol="false" tIns="0" lIns="0" bIns="0" rIns="0">
-            <a:spAutoFit/>
-          </a:bodyPr>
-          <a:lstStyle/>
-          <a:p>
-            <a:pPr algn="ctr">
-              <a:lnSpc>
-                <a:spcPts val="3000"/>
-              </a:lnSpc>
-            </a:pPr>
-            <a:r>
-              <a:rPr lang="en-US" sz="3000">
-                <a:solidFill>
-                  <a:srgbClr val="000000"/>
-                </a:solidFill>
-                <a:latin typeface="Libre Baskerville"/>
-              </a:rPr>
-              <a:t>Presented by Juliana Silva</a:t>
-            </a:r>
-          </a:p>
-        </p:txBody>
-      </p:sp>
-      <p:sp>
-        <p:nvSpPr>
-          <p:cNvPr name="Freeform 7" id="7"/>
-          <p:cNvSpPr/>
-          <p:nvPr/>
-        </p:nvSpPr>
-        <p:spPr>
-          <a:xfrm flipH="false" flipV="false" rot="-3755510">
-            <a:off x="14637629" y="5499669"/>
-            <a:ext cx="4096053" cy="7060062"/>
-          </a:xfrm>
-          <a:custGeom>
-            <a:avLst/>
-            <a:gdLst/>
-            <a:ahLst/>
-            <a:cxnLst/>
-            <a:rect r="r" b="b" t="t" l="l"/>
-            <a:pathLst>
-              <a:path h="7060062" w="4096053">
-                <a:moveTo>
-                  <a:pt x="0" y="0"/>
-                </a:moveTo>
-                <a:lnTo>
-                  <a:pt x="4096053" y="0"/>
-                </a:lnTo>
-                <a:lnTo>
-                  <a:pt x="4096053" y="7060062"/>
-                </a:lnTo>
-                <a:lnTo>
-                  <a:pt x="0" y="7060062"/>
-                </a:lnTo>
-                <a:lnTo>
-                  <a:pt x="0" y="0"/>
-                </a:lnTo>
-                <a:close/>
-              </a:path>
-            </a:pathLst>
-          </a:custGeom>
-          <a:blipFill>
-            <a:blip r:embed="rId6">
-              <a:extLst>
-                <a:ext uri="{96DAC541-7B7A-43D3-8B79-37D633B846F1}">
-                  <asvg:svgBlip xmlns:asvg="http://schemas.microsoft.com/office/drawing/2016/SVG/main" r:embed="rId7"/>
-                </a:ext>
-              </a:extLst>
-            </a:blip>
-            <a:stretch>
-              <a:fillRect l="0" t="0" r="0" b="0"/>
-            </a:stretch>
-          </a:blipFill>
-        </p:spPr>
-      </p:sp>
-      <p:sp>
-        <p:nvSpPr>
-          <p:cNvPr name="TextBox 8" id="8"/>
-          <p:cNvSpPr txBox="true"/>
-          <p:nvPr/>
-        </p:nvSpPr>
-        <p:spPr>
-          <a:xfrm rot="0">
-            <a:off x="3295825" y="2703344"/>
-            <a:ext cx="11696350" cy="1214357"/>
-          </a:xfrm>
-          <a:prstGeom prst="rect">
-            <a:avLst/>
-          </a:prstGeom>
-        </p:spPr>
-        <p:txBody>
-          <a:bodyPr anchor="t" rtlCol="false" tIns="0" lIns="0" bIns="0" rIns="0">
-            <a:spAutoFit/>
-          </a:bodyPr>
-          <a:lstStyle/>
-          <a:p>
-            <a:pPr algn="ctr">
-              <a:lnSpc>
-                <a:spcPts val="9060"/>
-              </a:lnSpc>
-            </a:pPr>
-            <a:r>
-              <a:rPr lang="en-US" sz="9060">
-                <a:solidFill>
-                  <a:srgbClr val="000000"/>
-                </a:solidFill>
-                <a:latin typeface="Yeseva One"/>
-              </a:rPr>
-              <a:t>Implementation</a:t>
-            </a:r>
-          </a:p>
-        </p:txBody>
-      </p:sp>
-      <p:sp>
-        <p:nvSpPr>
-          <p:cNvPr name="TextBox 9" id="9"/>
-          <p:cNvSpPr txBox="true"/>
-          <p:nvPr/>
-        </p:nvSpPr>
-        <p:spPr>
-          <a:xfrm rot="0">
-            <a:off x="1315522" y="4678531"/>
-            <a:ext cx="4963220" cy="3067050"/>
-          </a:xfrm>
-          <a:prstGeom prst="rect">
-            <a:avLst/>
-          </a:prstGeom>
-        </p:spPr>
-        <p:txBody>
-          <a:bodyPr anchor="t" rtlCol="false" tIns="0" lIns="0" bIns="0" rIns="0">
-            <a:spAutoFit/>
-          </a:bodyPr>
-          <a:lstStyle/>
-          <a:p>
-            <a:pPr algn="l">
-              <a:lnSpc>
-                <a:spcPts val="3000"/>
-              </a:lnSpc>
-            </a:pPr>
-            <a:r>
-              <a:rPr lang="en-US" sz="3000">
-                <a:solidFill>
-                  <a:srgbClr val="000000"/>
-                </a:solidFill>
-                <a:latin typeface="Libre Baskerville"/>
-              </a:rPr>
-              <a:t>Lorem ipsum dolor sit amet, consectetur adipiscing elit. Vivamus sed vestibulum nunc, eget aliquam felis. Sed nunc purus, accumsan sit amet dictum in, ornare in dui.</a:t>
-            </a:r>
-          </a:p>
-        </p:txBody>
-      </p:sp>
-      <p:sp>
-        <p:nvSpPr>
-          <p:cNvPr name="TextBox 10" id="10"/>
-          <p:cNvSpPr txBox="true"/>
-          <p:nvPr/>
-        </p:nvSpPr>
-        <p:spPr>
-          <a:xfrm rot="0">
-            <a:off x="6717973" y="4678531"/>
-            <a:ext cx="4947821" cy="3067050"/>
-          </a:xfrm>
-          <a:prstGeom prst="rect">
-            <a:avLst/>
-          </a:prstGeom>
-        </p:spPr>
-        <p:txBody>
-          <a:bodyPr anchor="t" rtlCol="false" tIns="0" lIns="0" bIns="0" rIns="0">
-            <a:spAutoFit/>
-          </a:bodyPr>
-          <a:lstStyle/>
-          <a:p>
-            <a:pPr algn="l">
-              <a:lnSpc>
-                <a:spcPts val="3000"/>
-              </a:lnSpc>
-            </a:pPr>
-            <a:r>
-              <a:rPr lang="en-US" sz="3000">
-                <a:solidFill>
-                  <a:srgbClr val="000000"/>
-                </a:solidFill>
-                <a:latin typeface="Libre Baskerville"/>
-              </a:rPr>
-              <a:t>Lorem ipsum dolor sit amet, consectetur adipiscing elit. Vivamus sed vestibulum nunc, eget aliquam felis. Sed nunc purus, accumsan sit amet dictum in, ornare in dui.</a:t>
-            </a:r>
-          </a:p>
-        </p:txBody>
-      </p:sp>
-      <p:sp>
-        <p:nvSpPr>
-          <p:cNvPr name="TextBox 11" id="11"/>
-          <p:cNvSpPr txBox="true"/>
-          <p:nvPr/>
-        </p:nvSpPr>
-        <p:spPr>
-          <a:xfrm rot="0">
-            <a:off x="12120423" y="4678531"/>
-            <a:ext cx="4852055" cy="3067050"/>
-          </a:xfrm>
-          <a:prstGeom prst="rect">
-            <a:avLst/>
-          </a:prstGeom>
-        </p:spPr>
-        <p:txBody>
-          <a:bodyPr anchor="t" rtlCol="false" tIns="0" lIns="0" bIns="0" rIns="0">
-            <a:spAutoFit/>
-          </a:bodyPr>
-          <a:lstStyle/>
-          <a:p>
-            <a:pPr algn="l">
-              <a:lnSpc>
-                <a:spcPts val="3000"/>
-              </a:lnSpc>
-            </a:pPr>
-            <a:r>
-              <a:rPr lang="en-US" sz="3000">
-                <a:solidFill>
-                  <a:srgbClr val="000000"/>
-                </a:solidFill>
-                <a:latin typeface="Libre Baskerville"/>
-              </a:rPr>
-              <a:t>Lorem ipsum dolor sit amet, consectetur adipiscing elit. Vivamus sed vestibulum nunc, eget aliquam felis. Sed nunc purus, accumsan sit amet dictum in, ornare in dui.</a:t>
-            </a:r>
-          </a:p>
-        </p:txBody>
-      </p:sp>
-      <p:sp>
-        <p:nvSpPr>
-          <p:cNvPr name="TextBox 12" id="12"/>
-          <p:cNvSpPr txBox="true"/>
-          <p:nvPr/>
-        </p:nvSpPr>
-        <p:spPr>
-          <a:xfrm rot="0">
-            <a:off x="1328165" y="4151481"/>
-            <a:ext cx="2468967" cy="469900"/>
-          </a:xfrm>
-          <a:prstGeom prst="rect">
-            <a:avLst/>
-          </a:prstGeom>
-        </p:spPr>
-        <p:txBody>
-          <a:bodyPr anchor="t" rtlCol="false" tIns="0" lIns="0" bIns="0" rIns="0">
-            <a:spAutoFit/>
-          </a:bodyPr>
-          <a:lstStyle/>
-          <a:p>
-            <a:pPr algn="l">
-              <a:lnSpc>
-                <a:spcPts val="3500"/>
-              </a:lnSpc>
-            </a:pPr>
-            <a:r>
-              <a:rPr lang="en-US" sz="3500">
-                <a:solidFill>
-                  <a:srgbClr val="000000"/>
-                </a:solidFill>
-                <a:latin typeface="Yeseva One"/>
-              </a:rPr>
-              <a:t>Phase 1</a:t>
-            </a:r>
-          </a:p>
-        </p:txBody>
-      </p:sp>
-      <p:sp>
-        <p:nvSpPr>
-          <p:cNvPr name="TextBox 13" id="13"/>
-          <p:cNvSpPr txBox="true"/>
-          <p:nvPr/>
-        </p:nvSpPr>
-        <p:spPr>
-          <a:xfrm rot="0">
-            <a:off x="6717973" y="4151481"/>
-            <a:ext cx="2473910" cy="469900"/>
-          </a:xfrm>
-          <a:prstGeom prst="rect">
-            <a:avLst/>
-          </a:prstGeom>
-        </p:spPr>
-        <p:txBody>
-          <a:bodyPr anchor="t" rtlCol="false" tIns="0" lIns="0" bIns="0" rIns="0">
-            <a:spAutoFit/>
-          </a:bodyPr>
-          <a:lstStyle/>
-          <a:p>
-            <a:pPr algn="l">
-              <a:lnSpc>
-                <a:spcPts val="3500"/>
-              </a:lnSpc>
-            </a:pPr>
-            <a:r>
-              <a:rPr lang="en-US" sz="3500">
-                <a:solidFill>
-                  <a:srgbClr val="000000"/>
-                </a:solidFill>
-                <a:latin typeface="Yeseva One"/>
-              </a:rPr>
-              <a:t>Phase 2</a:t>
-            </a:r>
-          </a:p>
-        </p:txBody>
-      </p:sp>
-      <p:sp>
-        <p:nvSpPr>
-          <p:cNvPr name="TextBox 14" id="14"/>
-          <p:cNvSpPr txBox="true"/>
-          <p:nvPr/>
-        </p:nvSpPr>
-        <p:spPr>
-          <a:xfrm rot="0">
-            <a:off x="12185975" y="4151481"/>
-            <a:ext cx="2360476" cy="469900"/>
-          </a:xfrm>
-          <a:prstGeom prst="rect">
-            <a:avLst/>
-          </a:prstGeom>
-        </p:spPr>
-        <p:txBody>
-          <a:bodyPr anchor="t" rtlCol="false" tIns="0" lIns="0" bIns="0" rIns="0">
-            <a:spAutoFit/>
-          </a:bodyPr>
-          <a:lstStyle/>
-          <a:p>
-            <a:pPr algn="l">
-              <a:lnSpc>
-                <a:spcPts val="3500"/>
-              </a:lnSpc>
-            </a:pPr>
-            <a:r>
-              <a:rPr lang="en-US" sz="3500">
-                <a:solidFill>
-                  <a:srgbClr val="000000"/>
-                </a:solidFill>
-                <a:latin typeface="Yeseva One"/>
-              </a:rPr>
-              <a:t>Phase 3</a:t>
-            </a:r>
-          </a:p>
-        </p:txBody>
       </p:sp>
     </p:spTree>
   </p:cSld>
